--- a/manuscript/schematics-v1.pptx
+++ b/manuscript/schematics-v1.pptx
@@ -11,6 +11,7 @@
     <p:sldId id="260" r:id="rId5"/>
     <p:sldId id="257" r:id="rId6"/>
     <p:sldId id="261" r:id="rId7"/>
+    <p:sldId id="262" r:id="rId8"/>
   </p:sldIdLst>
   <p:sldSz cx="12192000" cy="6858000"/>
   <p:notesSz cx="6858000" cy="9144000"/>
@@ -264,7 +265,7 @@
           <a:p>
             <a:fld id="{C1479234-584E-4873-8CD3-B53B1333C3D5}" type="datetimeFigureOut">
               <a:rPr lang="en-US" smtClean="0"/>
-              <a:t>6/24/2021</a:t>
+              <a:t>7/9/2021</a:t>
             </a:fld>
             <a:endParaRPr lang="en-US"/>
           </a:p>
@@ -462,7 +463,7 @@
           <a:p>
             <a:fld id="{C1479234-584E-4873-8CD3-B53B1333C3D5}" type="datetimeFigureOut">
               <a:rPr lang="en-US" smtClean="0"/>
-              <a:t>6/24/2021</a:t>
+              <a:t>7/9/2021</a:t>
             </a:fld>
             <a:endParaRPr lang="en-US"/>
           </a:p>
@@ -670,7 +671,7 @@
           <a:p>
             <a:fld id="{C1479234-584E-4873-8CD3-B53B1333C3D5}" type="datetimeFigureOut">
               <a:rPr lang="en-US" smtClean="0"/>
-              <a:t>6/24/2021</a:t>
+              <a:t>7/9/2021</a:t>
             </a:fld>
             <a:endParaRPr lang="en-US"/>
           </a:p>
@@ -868,7 +869,7 @@
           <a:p>
             <a:fld id="{C1479234-584E-4873-8CD3-B53B1333C3D5}" type="datetimeFigureOut">
               <a:rPr lang="en-US" smtClean="0"/>
-              <a:t>6/24/2021</a:t>
+              <a:t>7/9/2021</a:t>
             </a:fld>
             <a:endParaRPr lang="en-US"/>
           </a:p>
@@ -1143,7 +1144,7 @@
           <a:p>
             <a:fld id="{C1479234-584E-4873-8CD3-B53B1333C3D5}" type="datetimeFigureOut">
               <a:rPr lang="en-US" smtClean="0"/>
-              <a:t>6/24/2021</a:t>
+              <a:t>7/9/2021</a:t>
             </a:fld>
             <a:endParaRPr lang="en-US"/>
           </a:p>
@@ -1408,7 +1409,7 @@
           <a:p>
             <a:fld id="{C1479234-584E-4873-8CD3-B53B1333C3D5}" type="datetimeFigureOut">
               <a:rPr lang="en-US" smtClean="0"/>
-              <a:t>6/24/2021</a:t>
+              <a:t>7/9/2021</a:t>
             </a:fld>
             <a:endParaRPr lang="en-US"/>
           </a:p>
@@ -1820,7 +1821,7 @@
           <a:p>
             <a:fld id="{C1479234-584E-4873-8CD3-B53B1333C3D5}" type="datetimeFigureOut">
               <a:rPr lang="en-US" smtClean="0"/>
-              <a:t>6/24/2021</a:t>
+              <a:t>7/9/2021</a:t>
             </a:fld>
             <a:endParaRPr lang="en-US"/>
           </a:p>
@@ -1961,7 +1962,7 @@
           <a:p>
             <a:fld id="{C1479234-584E-4873-8CD3-B53B1333C3D5}" type="datetimeFigureOut">
               <a:rPr lang="en-US" smtClean="0"/>
-              <a:t>6/24/2021</a:t>
+              <a:t>7/9/2021</a:t>
             </a:fld>
             <a:endParaRPr lang="en-US"/>
           </a:p>
@@ -2074,7 +2075,7 @@
           <a:p>
             <a:fld id="{C1479234-584E-4873-8CD3-B53B1333C3D5}" type="datetimeFigureOut">
               <a:rPr lang="en-US" smtClean="0"/>
-              <a:t>6/24/2021</a:t>
+              <a:t>7/9/2021</a:t>
             </a:fld>
             <a:endParaRPr lang="en-US"/>
           </a:p>
@@ -2385,7 +2386,7 @@
           <a:p>
             <a:fld id="{C1479234-584E-4873-8CD3-B53B1333C3D5}" type="datetimeFigureOut">
               <a:rPr lang="en-US" smtClean="0"/>
-              <a:t>6/24/2021</a:t>
+              <a:t>7/9/2021</a:t>
             </a:fld>
             <a:endParaRPr lang="en-US"/>
           </a:p>
@@ -2673,7 +2674,7 @@
           <a:p>
             <a:fld id="{C1479234-584E-4873-8CD3-B53B1333C3D5}" type="datetimeFigureOut">
               <a:rPr lang="en-US" smtClean="0"/>
-              <a:t>6/24/2021</a:t>
+              <a:t>7/9/2021</a:t>
             </a:fld>
             <a:endParaRPr lang="en-US"/>
           </a:p>
@@ -2914,7 +2915,7 @@
           <a:p>
             <a:fld id="{C1479234-584E-4873-8CD3-B53B1333C3D5}" type="datetimeFigureOut">
               <a:rPr lang="en-US" smtClean="0"/>
-              <a:t>6/24/2021</a:t>
+              <a:t>7/9/2021</a:t>
             </a:fld>
             <a:endParaRPr lang="en-US"/>
           </a:p>
@@ -13425,6 +13426,1317 @@
           <a:chExt cx="0" cy="0"/>
         </a:xfrm>
       </p:grpSpPr>
+      <p:grpSp>
+        <p:nvGrpSpPr>
+          <p:cNvPr id="73" name="Group 72">
+            <a:extLst>
+              <a:ext uri="{FF2B5EF4-FFF2-40B4-BE49-F238E27FC236}">
+                <a16:creationId xmlns:a16="http://schemas.microsoft.com/office/drawing/2014/main" id="{13BB823C-2E06-45DD-AF7A-D74E075EABD2}"/>
+              </a:ext>
+            </a:extLst>
+          </p:cNvPr>
+          <p:cNvGrpSpPr/>
+          <p:nvPr/>
+        </p:nvGrpSpPr>
+        <p:grpSpPr>
+          <a:xfrm>
+            <a:off x="502758" y="535077"/>
+            <a:ext cx="9268467" cy="6112895"/>
+            <a:chOff x="-1859442" y="312364"/>
+            <a:chExt cx="9268467" cy="6112895"/>
+          </a:xfrm>
+        </p:grpSpPr>
+        <p:sp>
+          <p:nvSpPr>
+            <p:cNvPr id="6" name="TextBox 5">
+              <a:extLst>
+                <a:ext uri="{FF2B5EF4-FFF2-40B4-BE49-F238E27FC236}">
+                  <a16:creationId xmlns:a16="http://schemas.microsoft.com/office/drawing/2014/main" id="{B156BBCF-8FCB-4D31-A89C-6F50CCB22485}"/>
+                </a:ext>
+              </a:extLst>
+            </p:cNvPr>
+            <p:cNvSpPr txBox="1"/>
+            <p:nvPr/>
+          </p:nvSpPr>
+          <p:spPr>
+            <a:xfrm>
+              <a:off x="414290" y="3545622"/>
+              <a:ext cx="1073435" cy="338554"/>
+            </a:xfrm>
+            <a:prstGeom prst="rect">
+              <a:avLst/>
+            </a:prstGeom>
+            <a:solidFill>
+              <a:srgbClr val="FDB15C"/>
+            </a:solidFill>
+          </p:spPr>
+          <p:txBody>
+            <a:bodyPr wrap="none" rtlCol="0">
+              <a:spAutoFit/>
+            </a:bodyPr>
+            <a:lstStyle/>
+            <a:p>
+              <a:pPr algn="ctr"/>
+              <a:r>
+                <a:rPr lang="en-US" sz="1600" dirty="0"/>
+                <a:t>Soil N Pool</a:t>
+              </a:r>
+            </a:p>
+          </p:txBody>
+        </p:sp>
+        <p:sp>
+          <p:nvSpPr>
+            <p:cNvPr id="7" name="TextBox 6">
+              <a:extLst>
+                <a:ext uri="{FF2B5EF4-FFF2-40B4-BE49-F238E27FC236}">
+                  <a16:creationId xmlns:a16="http://schemas.microsoft.com/office/drawing/2014/main" id="{93F2FEF3-5EB0-4F85-8AEA-802132B890DA}"/>
+                </a:ext>
+              </a:extLst>
+            </p:cNvPr>
+            <p:cNvSpPr txBox="1"/>
+            <p:nvPr/>
+          </p:nvSpPr>
+          <p:spPr>
+            <a:xfrm>
+              <a:off x="5064537" y="6086705"/>
+              <a:ext cx="2344488" cy="338554"/>
+            </a:xfrm>
+            <a:prstGeom prst="rect">
+              <a:avLst/>
+            </a:prstGeom>
+            <a:solidFill>
+              <a:srgbClr val="FDB15C"/>
+            </a:solidFill>
+          </p:spPr>
+          <p:txBody>
+            <a:bodyPr wrap="none" rtlCol="0">
+              <a:spAutoFit/>
+            </a:bodyPr>
+            <a:lstStyle/>
+            <a:p>
+              <a:pPr algn="ctr"/>
+              <a:r>
+                <a:rPr lang="en-US" sz="1600" dirty="0"/>
+                <a:t>Continuous Maize Penalty</a:t>
+              </a:r>
+            </a:p>
+          </p:txBody>
+        </p:sp>
+        <p:sp>
+          <p:nvSpPr>
+            <p:cNvPr id="9" name="TextBox 8">
+              <a:extLst>
+                <a:ext uri="{FF2B5EF4-FFF2-40B4-BE49-F238E27FC236}">
+                  <a16:creationId xmlns:a16="http://schemas.microsoft.com/office/drawing/2014/main" id="{E8E916B1-5D5D-4E24-B53D-4400ACFE5ADF}"/>
+                </a:ext>
+              </a:extLst>
+            </p:cNvPr>
+            <p:cNvSpPr txBox="1"/>
+            <p:nvPr/>
+          </p:nvSpPr>
+          <p:spPr>
+            <a:xfrm>
+              <a:off x="3209482" y="1203423"/>
+              <a:ext cx="839910" cy="338554"/>
+            </a:xfrm>
+            <a:prstGeom prst="rect">
+              <a:avLst/>
+            </a:prstGeom>
+            <a:solidFill>
+              <a:srgbClr val="FDB15C"/>
+            </a:solidFill>
+          </p:spPr>
+          <p:txBody>
+            <a:bodyPr wrap="none" rtlCol="0">
+              <a:spAutoFit/>
+            </a:bodyPr>
+            <a:lstStyle/>
+            <a:p>
+              <a:pPr algn="ctr"/>
+              <a:r>
+                <a:rPr lang="en-US" sz="1600" dirty="0"/>
+                <a:t>Residue</a:t>
+              </a:r>
+            </a:p>
+          </p:txBody>
+        </p:sp>
+        <p:sp>
+          <p:nvSpPr>
+            <p:cNvPr id="15" name="TextBox 14">
+              <a:extLst>
+                <a:ext uri="{FF2B5EF4-FFF2-40B4-BE49-F238E27FC236}">
+                  <a16:creationId xmlns:a16="http://schemas.microsoft.com/office/drawing/2014/main" id="{95F1D603-5BBE-42A8-BB49-52CD13EDFD42}"/>
+                </a:ext>
+              </a:extLst>
+            </p:cNvPr>
+            <p:cNvSpPr txBox="1"/>
+            <p:nvPr/>
+          </p:nvSpPr>
+          <p:spPr>
+            <a:xfrm>
+              <a:off x="2214604" y="3268623"/>
+              <a:ext cx="1345943" cy="584775"/>
+            </a:xfrm>
+            <a:prstGeom prst="rect">
+              <a:avLst/>
+            </a:prstGeom>
+            <a:solidFill>
+              <a:schemeClr val="bg2"/>
+            </a:solidFill>
+          </p:spPr>
+          <p:txBody>
+            <a:bodyPr wrap="square" rtlCol="0">
+              <a:spAutoFit/>
+            </a:bodyPr>
+            <a:lstStyle/>
+            <a:p>
+              <a:pPr algn="ctr"/>
+              <a:r>
+                <a:rPr lang="en-US" sz="1600" dirty="0"/>
+                <a:t>Soil Moisture &amp; Temp</a:t>
+              </a:r>
+            </a:p>
+          </p:txBody>
+        </p:sp>
+        <p:sp>
+          <p:nvSpPr>
+            <p:cNvPr id="18" name="TextBox 17">
+              <a:extLst>
+                <a:ext uri="{FF2B5EF4-FFF2-40B4-BE49-F238E27FC236}">
+                  <a16:creationId xmlns:a16="http://schemas.microsoft.com/office/drawing/2014/main" id="{8DBD951F-1A9F-4035-BC7A-582B7DFE8378}"/>
+                </a:ext>
+              </a:extLst>
+            </p:cNvPr>
+            <p:cNvSpPr txBox="1"/>
+            <p:nvPr/>
+          </p:nvSpPr>
+          <p:spPr>
+            <a:xfrm>
+              <a:off x="1823745" y="4877526"/>
+              <a:ext cx="2182303" cy="338554"/>
+            </a:xfrm>
+            <a:prstGeom prst="rect">
+              <a:avLst/>
+            </a:prstGeom>
+            <a:solidFill>
+              <a:schemeClr val="bg2"/>
+            </a:solidFill>
+          </p:spPr>
+          <p:txBody>
+            <a:bodyPr wrap="square" rtlCol="0">
+              <a:spAutoFit/>
+            </a:bodyPr>
+            <a:lstStyle/>
+            <a:p>
+              <a:pPr algn="ctr"/>
+              <a:r>
+                <a:rPr lang="en-US" sz="1600" dirty="0"/>
+                <a:t>Root Disease</a:t>
+              </a:r>
+            </a:p>
+          </p:txBody>
+        </p:sp>
+        <p:sp>
+          <p:nvSpPr>
+            <p:cNvPr id="21" name="TextBox 20">
+              <a:extLst>
+                <a:ext uri="{FF2B5EF4-FFF2-40B4-BE49-F238E27FC236}">
+                  <a16:creationId xmlns:a16="http://schemas.microsoft.com/office/drawing/2014/main" id="{34A420EA-9B62-4F8D-87BE-9B8FD62AEBB2}"/>
+                </a:ext>
+              </a:extLst>
+            </p:cNvPr>
+            <p:cNvSpPr txBox="1"/>
+            <p:nvPr/>
+          </p:nvSpPr>
+          <p:spPr>
+            <a:xfrm>
+              <a:off x="1949202" y="6086705"/>
+              <a:ext cx="1966500" cy="338554"/>
+            </a:xfrm>
+            <a:prstGeom prst="rect">
+              <a:avLst/>
+            </a:prstGeom>
+            <a:solidFill>
+              <a:schemeClr val="bg2"/>
+            </a:solidFill>
+          </p:spPr>
+          <p:txBody>
+            <a:bodyPr wrap="none" rtlCol="0">
+              <a:spAutoFit/>
+            </a:bodyPr>
+            <a:lstStyle/>
+            <a:p>
+              <a:pPr algn="ctr"/>
+              <a:r>
+                <a:rPr lang="en-US" sz="1600" dirty="0"/>
+                <a:t>Root resource uptake</a:t>
+              </a:r>
+            </a:p>
+          </p:txBody>
+        </p:sp>
+        <p:cxnSp>
+          <p:nvCxnSpPr>
+            <p:cNvPr id="27" name="Straight Arrow Connector 26">
+              <a:extLst>
+                <a:ext uri="{FF2B5EF4-FFF2-40B4-BE49-F238E27FC236}">
+                  <a16:creationId xmlns:a16="http://schemas.microsoft.com/office/drawing/2014/main" id="{70CF2CA9-60A9-4233-B453-5B794AB7FFB9}"/>
+                </a:ext>
+              </a:extLst>
+            </p:cNvPr>
+            <p:cNvCxnSpPr>
+              <a:cxnSpLocks/>
+              <a:stCxn id="40" idx="2"/>
+              <a:endCxn id="9" idx="0"/>
+            </p:cNvCxnSpPr>
+            <p:nvPr/>
+          </p:nvCxnSpPr>
+          <p:spPr>
+            <a:xfrm>
+              <a:off x="3620549" y="650918"/>
+              <a:ext cx="8888" cy="552505"/>
+            </a:xfrm>
+            <a:prstGeom prst="straightConnector1">
+              <a:avLst/>
+            </a:prstGeom>
+            <a:ln w="3175">
+              <a:solidFill>
+                <a:schemeClr val="tx1"/>
+              </a:solidFill>
+              <a:tailEnd type="triangle"/>
+            </a:ln>
+          </p:spPr>
+          <p:style>
+            <a:lnRef idx="1">
+              <a:schemeClr val="accent1"/>
+            </a:lnRef>
+            <a:fillRef idx="0">
+              <a:schemeClr val="accent1"/>
+            </a:fillRef>
+            <a:effectRef idx="0">
+              <a:schemeClr val="accent1"/>
+            </a:effectRef>
+            <a:fontRef idx="minor">
+              <a:schemeClr val="tx1"/>
+            </a:fontRef>
+          </p:style>
+        </p:cxnSp>
+        <p:cxnSp>
+          <p:nvCxnSpPr>
+            <p:cNvPr id="33" name="Straight Arrow Connector 32">
+              <a:extLst>
+                <a:ext uri="{FF2B5EF4-FFF2-40B4-BE49-F238E27FC236}">
+                  <a16:creationId xmlns:a16="http://schemas.microsoft.com/office/drawing/2014/main" id="{4662E810-6505-4CDE-93B8-B6DBEC7F14C0}"/>
+                </a:ext>
+              </a:extLst>
+            </p:cNvPr>
+            <p:cNvCxnSpPr>
+              <a:cxnSpLocks/>
+              <a:stCxn id="15" idx="2"/>
+              <a:endCxn id="18" idx="0"/>
+            </p:cNvCxnSpPr>
+            <p:nvPr/>
+          </p:nvCxnSpPr>
+          <p:spPr>
+            <a:xfrm>
+              <a:off x="2887576" y="3853398"/>
+              <a:ext cx="27321" cy="1024128"/>
+            </a:xfrm>
+            <a:prstGeom prst="straightConnector1">
+              <a:avLst/>
+            </a:prstGeom>
+            <a:ln w="19050">
+              <a:solidFill>
+                <a:schemeClr val="tx1"/>
+              </a:solidFill>
+              <a:tailEnd type="triangle"/>
+            </a:ln>
+          </p:spPr>
+          <p:style>
+            <a:lnRef idx="1">
+              <a:schemeClr val="accent1"/>
+            </a:lnRef>
+            <a:fillRef idx="0">
+              <a:schemeClr val="accent1"/>
+            </a:fillRef>
+            <a:effectRef idx="0">
+              <a:schemeClr val="accent1"/>
+            </a:effectRef>
+            <a:fontRef idx="minor">
+              <a:schemeClr val="tx1"/>
+            </a:fontRef>
+          </p:style>
+        </p:cxnSp>
+        <p:cxnSp>
+          <p:nvCxnSpPr>
+            <p:cNvPr id="35" name="Straight Arrow Connector 34">
+              <a:extLst>
+                <a:ext uri="{FF2B5EF4-FFF2-40B4-BE49-F238E27FC236}">
+                  <a16:creationId xmlns:a16="http://schemas.microsoft.com/office/drawing/2014/main" id="{104E21C6-9C48-46DB-9E2E-EEB0867FDA93}"/>
+                </a:ext>
+              </a:extLst>
+            </p:cNvPr>
+            <p:cNvCxnSpPr>
+              <a:cxnSpLocks/>
+              <a:stCxn id="115" idx="2"/>
+              <a:endCxn id="15" idx="0"/>
+            </p:cNvCxnSpPr>
+            <p:nvPr/>
+          </p:nvCxnSpPr>
+          <p:spPr>
+            <a:xfrm flipH="1">
+              <a:off x="2887576" y="2635146"/>
+              <a:ext cx="741861" cy="633477"/>
+            </a:xfrm>
+            <a:prstGeom prst="straightConnector1">
+              <a:avLst/>
+            </a:prstGeom>
+            <a:ln w="19050">
+              <a:solidFill>
+                <a:schemeClr val="tx1"/>
+              </a:solidFill>
+              <a:tailEnd type="triangle"/>
+            </a:ln>
+          </p:spPr>
+          <p:style>
+            <a:lnRef idx="1">
+              <a:schemeClr val="accent1"/>
+            </a:lnRef>
+            <a:fillRef idx="0">
+              <a:schemeClr val="accent1"/>
+            </a:fillRef>
+            <a:effectRef idx="0">
+              <a:schemeClr val="accent1"/>
+            </a:effectRef>
+            <a:fontRef idx="minor">
+              <a:schemeClr val="tx1"/>
+            </a:fontRef>
+          </p:style>
+        </p:cxnSp>
+        <p:sp>
+          <p:nvSpPr>
+            <p:cNvPr id="40" name="TextBox 39">
+              <a:extLst>
+                <a:ext uri="{FF2B5EF4-FFF2-40B4-BE49-F238E27FC236}">
+                  <a16:creationId xmlns:a16="http://schemas.microsoft.com/office/drawing/2014/main" id="{7F683759-0DA0-4B46-AF02-1C3475445B06}"/>
+                </a:ext>
+              </a:extLst>
+            </p:cNvPr>
+            <p:cNvSpPr txBox="1"/>
+            <p:nvPr/>
+          </p:nvSpPr>
+          <p:spPr>
+            <a:xfrm>
+              <a:off x="2750979" y="312364"/>
+              <a:ext cx="1739140" cy="338554"/>
+            </a:xfrm>
+            <a:prstGeom prst="rect">
+              <a:avLst/>
+            </a:prstGeom>
+            <a:solidFill>
+              <a:srgbClr val="2184C0"/>
+            </a:solidFill>
+          </p:spPr>
+          <p:txBody>
+            <a:bodyPr wrap="square" rtlCol="0">
+              <a:spAutoFit/>
+            </a:bodyPr>
+            <a:lstStyle/>
+            <a:p>
+              <a:pPr algn="ctr"/>
+              <a:r>
+                <a:rPr lang="en-US" sz="1600" dirty="0"/>
+                <a:t>Maize Crop</a:t>
+              </a:r>
+            </a:p>
+          </p:txBody>
+        </p:sp>
+        <p:sp>
+          <p:nvSpPr>
+            <p:cNvPr id="51" name="Rectangle 50">
+              <a:extLst>
+                <a:ext uri="{FF2B5EF4-FFF2-40B4-BE49-F238E27FC236}">
+                  <a16:creationId xmlns:a16="http://schemas.microsoft.com/office/drawing/2014/main" id="{CC98651A-3A11-4BB4-9FB5-63172DB2A64B}"/>
+                </a:ext>
+              </a:extLst>
+            </p:cNvPr>
+            <p:cNvSpPr/>
+            <p:nvPr/>
+          </p:nvSpPr>
+          <p:spPr>
+            <a:xfrm>
+              <a:off x="6949797" y="3498578"/>
+              <a:ext cx="128248" cy="145222"/>
+            </a:xfrm>
+            <a:prstGeom prst="rect">
+              <a:avLst/>
+            </a:prstGeom>
+            <a:solidFill>
+              <a:schemeClr val="bg1"/>
+            </a:solidFill>
+            <a:ln>
+              <a:noFill/>
+            </a:ln>
+          </p:spPr>
+          <p:style>
+            <a:lnRef idx="2">
+              <a:schemeClr val="accent1">
+                <a:shade val="50000"/>
+              </a:schemeClr>
+            </a:lnRef>
+            <a:fillRef idx="1">
+              <a:schemeClr val="accent1"/>
+            </a:fillRef>
+            <a:effectRef idx="0">
+              <a:schemeClr val="accent1"/>
+            </a:effectRef>
+            <a:fontRef idx="minor">
+              <a:schemeClr val="lt1"/>
+            </a:fontRef>
+          </p:style>
+          <p:txBody>
+            <a:bodyPr rtlCol="0" anchor="ctr"/>
+            <a:lstStyle/>
+            <a:p>
+              <a:pPr algn="ctr"/>
+              <a:endParaRPr lang="en-US" sz="1600"/>
+            </a:p>
+          </p:txBody>
+        </p:sp>
+        <p:sp>
+          <p:nvSpPr>
+            <p:cNvPr id="52" name="Rectangle 51">
+              <a:extLst>
+                <a:ext uri="{FF2B5EF4-FFF2-40B4-BE49-F238E27FC236}">
+                  <a16:creationId xmlns:a16="http://schemas.microsoft.com/office/drawing/2014/main" id="{9DC678CF-461C-450B-9310-D66F72A683EF}"/>
+                </a:ext>
+              </a:extLst>
+            </p:cNvPr>
+            <p:cNvSpPr/>
+            <p:nvPr/>
+          </p:nvSpPr>
+          <p:spPr>
+            <a:xfrm>
+              <a:off x="6951277" y="3002904"/>
+              <a:ext cx="128248" cy="145222"/>
+            </a:xfrm>
+            <a:prstGeom prst="rect">
+              <a:avLst/>
+            </a:prstGeom>
+            <a:solidFill>
+              <a:schemeClr val="bg1"/>
+            </a:solidFill>
+            <a:ln>
+              <a:noFill/>
+            </a:ln>
+          </p:spPr>
+          <p:style>
+            <a:lnRef idx="2">
+              <a:schemeClr val="accent1">
+                <a:shade val="50000"/>
+              </a:schemeClr>
+            </a:lnRef>
+            <a:fillRef idx="1">
+              <a:schemeClr val="accent1"/>
+            </a:fillRef>
+            <a:effectRef idx="0">
+              <a:schemeClr val="accent1"/>
+            </a:effectRef>
+            <a:fontRef idx="minor">
+              <a:schemeClr val="lt1"/>
+            </a:fontRef>
+          </p:style>
+          <p:txBody>
+            <a:bodyPr rtlCol="0" anchor="ctr"/>
+            <a:lstStyle/>
+            <a:p>
+              <a:pPr algn="ctr"/>
+              <a:endParaRPr lang="en-US" sz="1600"/>
+            </a:p>
+          </p:txBody>
+        </p:sp>
+        <p:sp>
+          <p:nvSpPr>
+            <p:cNvPr id="58" name="TextBox 57">
+              <a:extLst>
+                <a:ext uri="{FF2B5EF4-FFF2-40B4-BE49-F238E27FC236}">
+                  <a16:creationId xmlns:a16="http://schemas.microsoft.com/office/drawing/2014/main" id="{9A410058-ADB2-4137-98C9-259539D738C9}"/>
+                </a:ext>
+              </a:extLst>
+            </p:cNvPr>
+            <p:cNvSpPr txBox="1"/>
+            <p:nvPr/>
+          </p:nvSpPr>
+          <p:spPr>
+            <a:xfrm>
+              <a:off x="4118873" y="3307830"/>
+              <a:ext cx="1345943" cy="338554"/>
+            </a:xfrm>
+            <a:prstGeom prst="rect">
+              <a:avLst/>
+            </a:prstGeom>
+            <a:solidFill>
+              <a:schemeClr val="bg2"/>
+            </a:solidFill>
+          </p:spPr>
+          <p:txBody>
+            <a:bodyPr wrap="square" rtlCol="0">
+              <a:spAutoFit/>
+            </a:bodyPr>
+            <a:lstStyle/>
+            <a:p>
+              <a:pPr algn="ctr"/>
+              <a:r>
+                <a:rPr lang="en-US" sz="1600" dirty="0"/>
+                <a:t>Foliar Disease</a:t>
+              </a:r>
+            </a:p>
+          </p:txBody>
+        </p:sp>
+        <p:cxnSp>
+          <p:nvCxnSpPr>
+            <p:cNvPr id="62" name="Straight Arrow Connector 61">
+              <a:extLst>
+                <a:ext uri="{FF2B5EF4-FFF2-40B4-BE49-F238E27FC236}">
+                  <a16:creationId xmlns:a16="http://schemas.microsoft.com/office/drawing/2014/main" id="{A8099DCA-2779-44F8-984A-0B8408368833}"/>
+                </a:ext>
+              </a:extLst>
+            </p:cNvPr>
+            <p:cNvCxnSpPr>
+              <a:cxnSpLocks/>
+              <a:stCxn id="115" idx="2"/>
+              <a:endCxn id="58" idx="0"/>
+            </p:cNvCxnSpPr>
+            <p:nvPr/>
+          </p:nvCxnSpPr>
+          <p:spPr>
+            <a:xfrm>
+              <a:off x="3629437" y="2635146"/>
+              <a:ext cx="1162408" cy="672684"/>
+            </a:xfrm>
+            <a:prstGeom prst="straightConnector1">
+              <a:avLst/>
+            </a:prstGeom>
+            <a:ln w="19050">
+              <a:solidFill>
+                <a:schemeClr val="tx1"/>
+              </a:solidFill>
+              <a:tailEnd type="triangle"/>
+            </a:ln>
+          </p:spPr>
+          <p:style>
+            <a:lnRef idx="1">
+              <a:schemeClr val="accent1"/>
+            </a:lnRef>
+            <a:fillRef idx="0">
+              <a:schemeClr val="accent1"/>
+            </a:fillRef>
+            <a:effectRef idx="0">
+              <a:schemeClr val="accent1"/>
+            </a:effectRef>
+            <a:fontRef idx="minor">
+              <a:schemeClr val="tx1"/>
+            </a:fontRef>
+          </p:style>
+        </p:cxnSp>
+        <p:cxnSp>
+          <p:nvCxnSpPr>
+            <p:cNvPr id="65" name="Straight Arrow Connector 64">
+              <a:extLst>
+                <a:ext uri="{FF2B5EF4-FFF2-40B4-BE49-F238E27FC236}">
+                  <a16:creationId xmlns:a16="http://schemas.microsoft.com/office/drawing/2014/main" id="{736E7376-BA53-419C-8E1E-545EB959CAE9}"/>
+                </a:ext>
+              </a:extLst>
+            </p:cNvPr>
+            <p:cNvCxnSpPr>
+              <a:cxnSpLocks/>
+              <a:stCxn id="9" idx="1"/>
+              <a:endCxn id="6" idx="0"/>
+            </p:cNvCxnSpPr>
+            <p:nvPr/>
+          </p:nvCxnSpPr>
+          <p:spPr>
+            <a:xfrm flipH="1">
+              <a:off x="951008" y="1372700"/>
+              <a:ext cx="2258474" cy="2172922"/>
+            </a:xfrm>
+            <a:prstGeom prst="straightConnector1">
+              <a:avLst/>
+            </a:prstGeom>
+            <a:ln w="19050">
+              <a:solidFill>
+                <a:schemeClr val="tx1"/>
+              </a:solidFill>
+              <a:tailEnd type="triangle"/>
+            </a:ln>
+          </p:spPr>
+          <p:style>
+            <a:lnRef idx="1">
+              <a:schemeClr val="accent1"/>
+            </a:lnRef>
+            <a:fillRef idx="0">
+              <a:schemeClr val="accent1"/>
+            </a:fillRef>
+            <a:effectRef idx="0">
+              <a:schemeClr val="accent1"/>
+            </a:effectRef>
+            <a:fontRef idx="minor">
+              <a:schemeClr val="tx1"/>
+            </a:fontRef>
+          </p:style>
+        </p:cxnSp>
+        <p:cxnSp>
+          <p:nvCxnSpPr>
+            <p:cNvPr id="75" name="Straight Arrow Connector 74">
+              <a:extLst>
+                <a:ext uri="{FF2B5EF4-FFF2-40B4-BE49-F238E27FC236}">
+                  <a16:creationId xmlns:a16="http://schemas.microsoft.com/office/drawing/2014/main" id="{25ECE1CD-2A87-4B53-96F8-61D55D196B10}"/>
+                </a:ext>
+              </a:extLst>
+            </p:cNvPr>
+            <p:cNvCxnSpPr>
+              <a:cxnSpLocks/>
+              <a:stCxn id="18" idx="2"/>
+              <a:endCxn id="21" idx="0"/>
+            </p:cNvCxnSpPr>
+            <p:nvPr/>
+          </p:nvCxnSpPr>
+          <p:spPr>
+            <a:xfrm>
+              <a:off x="2914897" y="5216080"/>
+              <a:ext cx="17555" cy="870625"/>
+            </a:xfrm>
+            <a:prstGeom prst="straightConnector1">
+              <a:avLst/>
+            </a:prstGeom>
+            <a:ln w="19050">
+              <a:solidFill>
+                <a:schemeClr val="tx1"/>
+              </a:solidFill>
+              <a:tailEnd type="triangle"/>
+            </a:ln>
+          </p:spPr>
+          <p:style>
+            <a:lnRef idx="1">
+              <a:schemeClr val="accent1"/>
+            </a:lnRef>
+            <a:fillRef idx="0">
+              <a:schemeClr val="accent1"/>
+            </a:fillRef>
+            <a:effectRef idx="0">
+              <a:schemeClr val="accent1"/>
+            </a:effectRef>
+            <a:fontRef idx="minor">
+              <a:schemeClr val="tx1"/>
+            </a:fontRef>
+          </p:style>
+        </p:cxnSp>
+        <p:cxnSp>
+          <p:nvCxnSpPr>
+            <p:cNvPr id="78" name="Straight Arrow Connector 77">
+              <a:extLst>
+                <a:ext uri="{FF2B5EF4-FFF2-40B4-BE49-F238E27FC236}">
+                  <a16:creationId xmlns:a16="http://schemas.microsoft.com/office/drawing/2014/main" id="{2564DC56-0146-4746-9321-478B522641FA}"/>
+                </a:ext>
+              </a:extLst>
+            </p:cNvPr>
+            <p:cNvCxnSpPr>
+              <a:cxnSpLocks/>
+              <a:stCxn id="6" idx="2"/>
+              <a:endCxn id="21" idx="1"/>
+            </p:cNvCxnSpPr>
+            <p:nvPr/>
+          </p:nvCxnSpPr>
+          <p:spPr>
+            <a:xfrm>
+              <a:off x="951008" y="3884176"/>
+              <a:ext cx="998194" cy="2371806"/>
+            </a:xfrm>
+            <a:prstGeom prst="straightConnector1">
+              <a:avLst/>
+            </a:prstGeom>
+            <a:ln w="19050">
+              <a:solidFill>
+                <a:schemeClr val="tx1"/>
+              </a:solidFill>
+              <a:tailEnd type="triangle"/>
+            </a:ln>
+          </p:spPr>
+          <p:style>
+            <a:lnRef idx="1">
+              <a:schemeClr val="accent1"/>
+            </a:lnRef>
+            <a:fillRef idx="0">
+              <a:schemeClr val="accent1"/>
+            </a:fillRef>
+            <a:effectRef idx="0">
+              <a:schemeClr val="accent1"/>
+            </a:effectRef>
+            <a:fontRef idx="minor">
+              <a:schemeClr val="tx1"/>
+            </a:fontRef>
+          </p:style>
+        </p:cxnSp>
+        <p:cxnSp>
+          <p:nvCxnSpPr>
+            <p:cNvPr id="81" name="Straight Arrow Connector 80">
+              <a:extLst>
+                <a:ext uri="{FF2B5EF4-FFF2-40B4-BE49-F238E27FC236}">
+                  <a16:creationId xmlns:a16="http://schemas.microsoft.com/office/drawing/2014/main" id="{2AC9E350-8AA6-4D12-9C6F-15931D708F8C}"/>
+                </a:ext>
+              </a:extLst>
+            </p:cNvPr>
+            <p:cNvCxnSpPr>
+              <a:cxnSpLocks/>
+              <a:stCxn id="21" idx="3"/>
+              <a:endCxn id="7" idx="1"/>
+            </p:cNvCxnSpPr>
+            <p:nvPr/>
+          </p:nvCxnSpPr>
+          <p:spPr>
+            <a:xfrm>
+              <a:off x="3915702" y="6255982"/>
+              <a:ext cx="1148835" cy="0"/>
+            </a:xfrm>
+            <a:prstGeom prst="straightConnector1">
+              <a:avLst/>
+            </a:prstGeom>
+            <a:ln w="19050">
+              <a:solidFill>
+                <a:schemeClr val="tx1"/>
+              </a:solidFill>
+              <a:tailEnd type="triangle"/>
+            </a:ln>
+          </p:spPr>
+          <p:style>
+            <a:lnRef idx="1">
+              <a:schemeClr val="accent1"/>
+            </a:lnRef>
+            <a:fillRef idx="0">
+              <a:schemeClr val="accent1"/>
+            </a:fillRef>
+            <a:effectRef idx="0">
+              <a:schemeClr val="accent1"/>
+            </a:effectRef>
+            <a:fontRef idx="minor">
+              <a:schemeClr val="tx1"/>
+            </a:fontRef>
+          </p:style>
+        </p:cxnSp>
+        <p:cxnSp>
+          <p:nvCxnSpPr>
+            <p:cNvPr id="85" name="Straight Arrow Connector 84">
+              <a:extLst>
+                <a:ext uri="{FF2B5EF4-FFF2-40B4-BE49-F238E27FC236}">
+                  <a16:creationId xmlns:a16="http://schemas.microsoft.com/office/drawing/2014/main" id="{011366A9-B1C5-45B5-BFD3-26A688EFD142}"/>
+                </a:ext>
+              </a:extLst>
+            </p:cNvPr>
+            <p:cNvCxnSpPr>
+              <a:cxnSpLocks/>
+              <a:stCxn id="58" idx="2"/>
+              <a:endCxn id="7" idx="0"/>
+            </p:cNvCxnSpPr>
+            <p:nvPr/>
+          </p:nvCxnSpPr>
+          <p:spPr>
+            <a:xfrm>
+              <a:off x="4791845" y="3646384"/>
+              <a:ext cx="1444936" cy="2440321"/>
+            </a:xfrm>
+            <a:prstGeom prst="straightConnector1">
+              <a:avLst/>
+            </a:prstGeom>
+            <a:ln w="19050">
+              <a:solidFill>
+                <a:schemeClr val="tx1"/>
+              </a:solidFill>
+              <a:tailEnd type="triangle"/>
+            </a:ln>
+          </p:spPr>
+          <p:style>
+            <a:lnRef idx="1">
+              <a:schemeClr val="accent1"/>
+            </a:lnRef>
+            <a:fillRef idx="0">
+              <a:schemeClr val="accent1"/>
+            </a:fillRef>
+            <a:effectRef idx="0">
+              <a:schemeClr val="accent1"/>
+            </a:effectRef>
+            <a:fontRef idx="minor">
+              <a:schemeClr val="tx1"/>
+            </a:fontRef>
+          </p:style>
+        </p:cxnSp>
+        <p:sp>
+          <p:nvSpPr>
+            <p:cNvPr id="115" name="TextBox 114">
+              <a:extLst>
+                <a:ext uri="{FF2B5EF4-FFF2-40B4-BE49-F238E27FC236}">
+                  <a16:creationId xmlns:a16="http://schemas.microsoft.com/office/drawing/2014/main" id="{D4AE24E3-E453-432F-AE56-259599899BE4}"/>
+                </a:ext>
+              </a:extLst>
+            </p:cNvPr>
+            <p:cNvSpPr txBox="1"/>
+            <p:nvPr/>
+          </p:nvSpPr>
+          <p:spPr>
+            <a:xfrm>
+              <a:off x="2876474" y="2296592"/>
+              <a:ext cx="1505925" cy="338554"/>
+            </a:xfrm>
+            <a:prstGeom prst="rect">
+              <a:avLst/>
+            </a:prstGeom>
+            <a:solidFill>
+              <a:srgbClr val="FDB15C"/>
+            </a:solidFill>
+          </p:spPr>
+          <p:txBody>
+            <a:bodyPr wrap="none" rtlCol="0">
+              <a:spAutoFit/>
+            </a:bodyPr>
+            <a:lstStyle/>
+            <a:p>
+              <a:pPr algn="ctr"/>
+              <a:r>
+                <a:rPr lang="en-US" sz="1600" dirty="0"/>
+                <a:t>Surface Residue</a:t>
+              </a:r>
+            </a:p>
+          </p:txBody>
+        </p:sp>
+        <p:cxnSp>
+          <p:nvCxnSpPr>
+            <p:cNvPr id="119" name="Straight Arrow Connector 118">
+              <a:extLst>
+                <a:ext uri="{FF2B5EF4-FFF2-40B4-BE49-F238E27FC236}">
+                  <a16:creationId xmlns:a16="http://schemas.microsoft.com/office/drawing/2014/main" id="{DDB3F5AA-3E45-4A95-BAC8-A6399508E523}"/>
+                </a:ext>
+              </a:extLst>
+            </p:cNvPr>
+            <p:cNvCxnSpPr>
+              <a:cxnSpLocks/>
+              <a:stCxn id="9" idx="2"/>
+              <a:endCxn id="115" idx="0"/>
+            </p:cNvCxnSpPr>
+            <p:nvPr/>
+          </p:nvCxnSpPr>
+          <p:spPr>
+            <a:xfrm>
+              <a:off x="3629437" y="1541977"/>
+              <a:ext cx="0" cy="754615"/>
+            </a:xfrm>
+            <a:prstGeom prst="straightConnector1">
+              <a:avLst/>
+            </a:prstGeom>
+            <a:ln w="19050">
+              <a:solidFill>
+                <a:schemeClr val="tx1"/>
+              </a:solidFill>
+              <a:tailEnd type="triangle"/>
+            </a:ln>
+          </p:spPr>
+          <p:style>
+            <a:lnRef idx="1">
+              <a:schemeClr val="accent1"/>
+            </a:lnRef>
+            <a:fillRef idx="0">
+              <a:schemeClr val="accent1"/>
+            </a:fillRef>
+            <a:effectRef idx="0">
+              <a:schemeClr val="accent1"/>
+            </a:effectRef>
+            <a:fontRef idx="minor">
+              <a:schemeClr val="tx1"/>
+            </a:fontRef>
+          </p:style>
+        </p:cxnSp>
+        <p:cxnSp>
+          <p:nvCxnSpPr>
+            <p:cNvPr id="133" name="Straight Arrow Connector 132">
+              <a:extLst>
+                <a:ext uri="{FF2B5EF4-FFF2-40B4-BE49-F238E27FC236}">
+                  <a16:creationId xmlns:a16="http://schemas.microsoft.com/office/drawing/2014/main" id="{7F98EDA3-CFDC-4C4F-9F5E-245F3F53A576}"/>
+                </a:ext>
+              </a:extLst>
+            </p:cNvPr>
+            <p:cNvCxnSpPr>
+              <a:cxnSpLocks/>
+              <a:stCxn id="6" idx="1"/>
+              <a:endCxn id="136" idx="3"/>
+            </p:cNvCxnSpPr>
+            <p:nvPr/>
+          </p:nvCxnSpPr>
+          <p:spPr>
+            <a:xfrm flipH="1">
+              <a:off x="-144036" y="3714899"/>
+              <a:ext cx="558326" cy="0"/>
+            </a:xfrm>
+            <a:prstGeom prst="straightConnector1">
+              <a:avLst/>
+            </a:prstGeom>
+            <a:ln w="19050">
+              <a:solidFill>
+                <a:schemeClr val="tx1"/>
+              </a:solidFill>
+              <a:prstDash val="sysDot"/>
+              <a:tailEnd type="triangle"/>
+            </a:ln>
+          </p:spPr>
+          <p:style>
+            <a:lnRef idx="1">
+              <a:schemeClr val="accent1"/>
+            </a:lnRef>
+            <a:fillRef idx="0">
+              <a:schemeClr val="accent1"/>
+            </a:fillRef>
+            <a:effectRef idx="0">
+              <a:schemeClr val="accent1"/>
+            </a:effectRef>
+            <a:fontRef idx="minor">
+              <a:schemeClr val="tx1"/>
+            </a:fontRef>
+          </p:style>
+        </p:cxnSp>
+        <p:sp>
+          <p:nvSpPr>
+            <p:cNvPr id="136" name="TextBox 135">
+              <a:extLst>
+                <a:ext uri="{FF2B5EF4-FFF2-40B4-BE49-F238E27FC236}">
+                  <a16:creationId xmlns:a16="http://schemas.microsoft.com/office/drawing/2014/main" id="{8C336E83-6329-4E2E-9907-F8DBB9875E9F}"/>
+                </a:ext>
+              </a:extLst>
+            </p:cNvPr>
+            <p:cNvSpPr txBox="1"/>
+            <p:nvPr/>
+          </p:nvSpPr>
+          <p:spPr>
+            <a:xfrm>
+              <a:off x="-1859442" y="3422511"/>
+              <a:ext cx="1715406" cy="584775"/>
+            </a:xfrm>
+            <a:prstGeom prst="rect">
+              <a:avLst/>
+            </a:prstGeom>
+            <a:solidFill>
+              <a:schemeClr val="accent4"/>
+            </a:solidFill>
+          </p:spPr>
+          <p:txBody>
+            <a:bodyPr wrap="none" rtlCol="0">
+              <a:spAutoFit/>
+            </a:bodyPr>
+            <a:lstStyle/>
+            <a:p>
+              <a:pPr algn="ctr"/>
+              <a:r>
+                <a:rPr lang="en-US" sz="1600" dirty="0"/>
+                <a:t>Continuous maize </a:t>
+              </a:r>
+            </a:p>
+            <a:p>
+              <a:pPr algn="ctr"/>
+              <a:r>
+                <a:rPr lang="en-US" sz="1600" dirty="0"/>
+                <a:t>yields at 0 N</a:t>
+              </a:r>
+            </a:p>
+          </p:txBody>
+        </p:sp>
+        <p:sp>
+          <p:nvSpPr>
+            <p:cNvPr id="142" name="TextBox 141">
+              <a:extLst>
+                <a:ext uri="{FF2B5EF4-FFF2-40B4-BE49-F238E27FC236}">
+                  <a16:creationId xmlns:a16="http://schemas.microsoft.com/office/drawing/2014/main" id="{8A92E982-A797-4135-90B0-E0CB9ABCADC8}"/>
+                </a:ext>
+              </a:extLst>
+            </p:cNvPr>
+            <p:cNvSpPr txBox="1"/>
+            <p:nvPr/>
+          </p:nvSpPr>
+          <p:spPr>
+            <a:xfrm>
+              <a:off x="5204314" y="2050370"/>
+              <a:ext cx="1334493" cy="830997"/>
+            </a:xfrm>
+            <a:prstGeom prst="rect">
+              <a:avLst/>
+            </a:prstGeom>
+            <a:solidFill>
+              <a:schemeClr val="accent4"/>
+            </a:solidFill>
+          </p:spPr>
+          <p:txBody>
+            <a:bodyPr wrap="square" rtlCol="0">
+              <a:spAutoFit/>
+            </a:bodyPr>
+            <a:lstStyle/>
+            <a:p>
+              <a:pPr algn="ctr"/>
+              <a:r>
+                <a:rPr lang="en-US" sz="1600" dirty="0"/>
+                <a:t>Modelled residue at planting</a:t>
+              </a:r>
+            </a:p>
+          </p:txBody>
+        </p:sp>
+        <p:cxnSp>
+          <p:nvCxnSpPr>
+            <p:cNvPr id="143" name="Straight Arrow Connector 142">
+              <a:extLst>
+                <a:ext uri="{FF2B5EF4-FFF2-40B4-BE49-F238E27FC236}">
+                  <a16:creationId xmlns:a16="http://schemas.microsoft.com/office/drawing/2014/main" id="{A2851B85-71C3-47A8-914C-78C8082A347A}"/>
+                </a:ext>
+              </a:extLst>
+            </p:cNvPr>
+            <p:cNvCxnSpPr>
+              <a:cxnSpLocks/>
+              <a:stCxn id="115" idx="3"/>
+              <a:endCxn id="142" idx="1"/>
+            </p:cNvCxnSpPr>
+            <p:nvPr/>
+          </p:nvCxnSpPr>
+          <p:spPr>
+            <a:xfrm>
+              <a:off x="4382399" y="2465869"/>
+              <a:ext cx="821915" cy="0"/>
+            </a:xfrm>
+            <a:prstGeom prst="straightConnector1">
+              <a:avLst/>
+            </a:prstGeom>
+            <a:ln w="19050">
+              <a:solidFill>
+                <a:schemeClr val="tx1"/>
+              </a:solidFill>
+              <a:prstDash val="sysDot"/>
+              <a:tailEnd type="triangle"/>
+            </a:ln>
+          </p:spPr>
+          <p:style>
+            <a:lnRef idx="1">
+              <a:schemeClr val="accent1"/>
+            </a:lnRef>
+            <a:fillRef idx="0">
+              <a:schemeClr val="accent1"/>
+            </a:fillRef>
+            <a:effectRef idx="0">
+              <a:schemeClr val="accent1"/>
+            </a:effectRef>
+            <a:fontRef idx="minor">
+              <a:schemeClr val="tx1"/>
+            </a:fontRef>
+          </p:style>
+        </p:cxnSp>
+        <p:cxnSp>
+          <p:nvCxnSpPr>
+            <p:cNvPr id="148" name="Straight Arrow Connector 147">
+              <a:extLst>
+                <a:ext uri="{FF2B5EF4-FFF2-40B4-BE49-F238E27FC236}">
+                  <a16:creationId xmlns:a16="http://schemas.microsoft.com/office/drawing/2014/main" id="{8ED880C4-697B-4859-833E-FF8E7116610D}"/>
+                </a:ext>
+              </a:extLst>
+            </p:cNvPr>
+            <p:cNvCxnSpPr>
+              <a:cxnSpLocks/>
+              <a:stCxn id="15" idx="1"/>
+              <a:endCxn id="6" idx="3"/>
+            </p:cNvCxnSpPr>
+            <p:nvPr/>
+          </p:nvCxnSpPr>
+          <p:spPr>
+            <a:xfrm flipH="1">
+              <a:off x="1487725" y="3561011"/>
+              <a:ext cx="726879" cy="153888"/>
+            </a:xfrm>
+            <a:prstGeom prst="straightConnector1">
+              <a:avLst/>
+            </a:prstGeom>
+            <a:ln w="19050">
+              <a:solidFill>
+                <a:schemeClr val="tx1"/>
+              </a:solidFill>
+              <a:tailEnd type="triangle"/>
+            </a:ln>
+          </p:spPr>
+          <p:style>
+            <a:lnRef idx="1">
+              <a:schemeClr val="accent1"/>
+            </a:lnRef>
+            <a:fillRef idx="0">
+              <a:schemeClr val="accent1"/>
+            </a:fillRef>
+            <a:effectRef idx="0">
+              <a:schemeClr val="accent1"/>
+            </a:effectRef>
+            <a:fontRef idx="minor">
+              <a:schemeClr val="tx1"/>
+            </a:fontRef>
+          </p:style>
+        </p:cxnSp>
+        <p:cxnSp>
+          <p:nvCxnSpPr>
+            <p:cNvPr id="153" name="Straight Arrow Connector 152">
+              <a:extLst>
+                <a:ext uri="{FF2B5EF4-FFF2-40B4-BE49-F238E27FC236}">
+                  <a16:creationId xmlns:a16="http://schemas.microsoft.com/office/drawing/2014/main" id="{132C9523-0970-48FC-9EA9-3D3EB7688273}"/>
+                </a:ext>
+              </a:extLst>
+            </p:cNvPr>
+            <p:cNvCxnSpPr>
+              <a:cxnSpLocks/>
+              <a:stCxn id="40" idx="1"/>
+              <a:endCxn id="18" idx="1"/>
+            </p:cNvCxnSpPr>
+            <p:nvPr/>
+          </p:nvCxnSpPr>
+          <p:spPr>
+            <a:xfrm flipH="1">
+              <a:off x="1823745" y="481641"/>
+              <a:ext cx="927234" cy="4565162"/>
+            </a:xfrm>
+            <a:prstGeom prst="straightConnector1">
+              <a:avLst/>
+            </a:prstGeom>
+            <a:ln w="19050">
+              <a:solidFill>
+                <a:schemeClr val="tx1"/>
+              </a:solidFill>
+              <a:tailEnd type="triangle"/>
+            </a:ln>
+          </p:spPr>
+          <p:style>
+            <a:lnRef idx="1">
+              <a:schemeClr val="accent1"/>
+            </a:lnRef>
+            <a:fillRef idx="0">
+              <a:schemeClr val="accent1"/>
+            </a:fillRef>
+            <a:effectRef idx="0">
+              <a:schemeClr val="accent1"/>
+            </a:effectRef>
+            <a:fontRef idx="minor">
+              <a:schemeClr val="tx1"/>
+            </a:fontRef>
+          </p:style>
+        </p:cxnSp>
+        <p:cxnSp>
+          <p:nvCxnSpPr>
+            <p:cNvPr id="170" name="Straight Arrow Connector 169">
+              <a:extLst>
+                <a:ext uri="{FF2B5EF4-FFF2-40B4-BE49-F238E27FC236}">
+                  <a16:creationId xmlns:a16="http://schemas.microsoft.com/office/drawing/2014/main" id="{697BEB4A-8482-4B7D-A452-F40BB90D9E6D}"/>
+                </a:ext>
+              </a:extLst>
+            </p:cNvPr>
+            <p:cNvCxnSpPr>
+              <a:cxnSpLocks/>
+              <a:stCxn id="9" idx="3"/>
+              <a:endCxn id="173" idx="1"/>
+            </p:cNvCxnSpPr>
+            <p:nvPr/>
+          </p:nvCxnSpPr>
+          <p:spPr>
+            <a:xfrm flipV="1">
+              <a:off x="4049392" y="1346098"/>
+              <a:ext cx="1158180" cy="26602"/>
+            </a:xfrm>
+            <a:prstGeom prst="straightConnector1">
+              <a:avLst/>
+            </a:prstGeom>
+            <a:ln w="19050">
+              <a:solidFill>
+                <a:schemeClr val="tx1"/>
+              </a:solidFill>
+              <a:prstDash val="sysDot"/>
+              <a:tailEnd type="triangle"/>
+            </a:ln>
+          </p:spPr>
+          <p:style>
+            <a:lnRef idx="1">
+              <a:schemeClr val="accent1"/>
+            </a:lnRef>
+            <a:fillRef idx="0">
+              <a:schemeClr val="accent1"/>
+            </a:fillRef>
+            <a:effectRef idx="0">
+              <a:schemeClr val="accent1"/>
+            </a:effectRef>
+            <a:fontRef idx="minor">
+              <a:schemeClr val="tx1"/>
+            </a:fontRef>
+          </p:style>
+        </p:cxnSp>
+        <p:sp>
+          <p:nvSpPr>
+            <p:cNvPr id="173" name="TextBox 172">
+              <a:extLst>
+                <a:ext uri="{FF2B5EF4-FFF2-40B4-BE49-F238E27FC236}">
+                  <a16:creationId xmlns:a16="http://schemas.microsoft.com/office/drawing/2014/main" id="{DF89EBC3-E0A3-451F-A476-4C0076FAE978}"/>
+                </a:ext>
+              </a:extLst>
+            </p:cNvPr>
+            <p:cNvSpPr txBox="1"/>
+            <p:nvPr/>
+          </p:nvSpPr>
+          <p:spPr>
+            <a:xfrm>
+              <a:off x="5207572" y="930599"/>
+              <a:ext cx="1334493" cy="830997"/>
+            </a:xfrm>
+            <a:prstGeom prst="rect">
+              <a:avLst/>
+            </a:prstGeom>
+            <a:solidFill>
+              <a:schemeClr val="accent4"/>
+            </a:solidFill>
+          </p:spPr>
+          <p:txBody>
+            <a:bodyPr wrap="square" rtlCol="0">
+              <a:spAutoFit/>
+            </a:bodyPr>
+            <a:lstStyle/>
+            <a:p>
+              <a:pPr algn="ctr"/>
+              <a:r>
+                <a:rPr lang="en-US" sz="1600" dirty="0"/>
+                <a:t>Previous year’s maize yield</a:t>
+              </a:r>
+            </a:p>
+          </p:txBody>
+        </p:sp>
+      </p:grpSp>
+    </p:spTree>
+    <p:extLst>
+      <p:ext uri="{BB962C8B-B14F-4D97-AF65-F5344CB8AC3E}">
+        <p14:creationId xmlns:p14="http://schemas.microsoft.com/office/powerpoint/2010/main" val="209108710"/>
+      </p:ext>
+    </p:extLst>
+  </p:cSld>
+  <p:clrMapOvr>
+    <a:masterClrMapping/>
+  </p:clrMapOvr>
+</p:sld>
+</file>
+
+<file path=ppt/slides/slide7.xml><?xml version="1.0" encoding="utf-8"?>
+<p:sld xmlns:a="http://schemas.openxmlformats.org/drawingml/2006/main" xmlns:r="http://schemas.openxmlformats.org/officeDocument/2006/relationships" xmlns:p="http://schemas.openxmlformats.org/presentationml/2006/main">
+  <p:cSld>
+    <p:spTree>
+      <p:nvGrpSpPr>
+        <p:cNvPr id="1" name=""/>
+        <p:cNvGrpSpPr/>
+        <p:nvPr/>
+      </p:nvGrpSpPr>
+      <p:grpSpPr>
+        <a:xfrm>
+          <a:off x="0" y="0"/>
+          <a:ext cx="0" cy="0"/>
+          <a:chOff x="0" y="0"/>
+          <a:chExt cx="0" cy="0"/>
+        </a:xfrm>
+      </p:grpSpPr>
       <p:sp>
         <p:nvSpPr>
           <p:cNvPr id="6" name="TextBox 5">
@@ -13439,8 +14751,8 @@
         </p:nvSpPr>
         <p:spPr>
           <a:xfrm>
-            <a:off x="206850" y="3335238"/>
-            <a:ext cx="1183529" cy="369332"/>
+            <a:off x="6073665" y="3783723"/>
+            <a:ext cx="1073435" cy="338554"/>
           </a:xfrm>
           <a:prstGeom prst="rect">
             <a:avLst/>
@@ -13455,8 +14767,9 @@
           </a:bodyPr>
           <a:lstStyle/>
           <a:p>
+            <a:pPr algn="ctr"/>
             <a:r>
-              <a:rPr lang="en-US" dirty="0"/>
+              <a:rPr lang="en-US" sz="1600" dirty="0"/>
               <a:t>Soil N Pool</a:t>
             </a:r>
           </a:p>
@@ -13476,8 +14789,8 @@
         </p:nvSpPr>
         <p:spPr>
           <a:xfrm>
-            <a:off x="6949797" y="5538839"/>
-            <a:ext cx="1885260" cy="369332"/>
+            <a:off x="6063311" y="5575548"/>
+            <a:ext cx="2344488" cy="338554"/>
           </a:xfrm>
           <a:prstGeom prst="rect">
             <a:avLst/>
@@ -13492,9 +14805,10 @@
           </a:bodyPr>
           <a:lstStyle/>
           <a:p>
+            <a:pPr algn="ctr"/>
             <a:r>
-              <a:rPr lang="en-US" dirty="0"/>
-              <a:t>Corn Yield Penalty</a:t>
+              <a:rPr lang="en-US" sz="1600" dirty="0"/>
+              <a:t>Continuous Maize Penalty</a:t>
             </a:r>
           </a:p>
         </p:txBody>
@@ -13513,8 +14827,8 @@
         </p:nvSpPr>
         <p:spPr>
           <a:xfrm>
-            <a:off x="3270460" y="1186545"/>
-            <a:ext cx="922817" cy="369332"/>
+            <a:off x="7394043" y="2366905"/>
+            <a:ext cx="839910" cy="338554"/>
           </a:xfrm>
           <a:prstGeom prst="rect">
             <a:avLst/>
@@ -13529,218 +14843,14 @@
           </a:bodyPr>
           <a:lstStyle/>
           <a:p>
+            <a:pPr algn="ctr"/>
             <a:r>
-              <a:rPr lang="en-US" dirty="0"/>
+              <a:rPr lang="en-US" sz="1600" dirty="0"/>
               <a:t>Residue</a:t>
             </a:r>
           </a:p>
         </p:txBody>
       </p:sp>
-      <p:sp>
-        <p:nvSpPr>
-          <p:cNvPr id="15" name="TextBox 14">
-            <a:extLst>
-              <a:ext uri="{FF2B5EF4-FFF2-40B4-BE49-F238E27FC236}">
-                <a16:creationId xmlns:a16="http://schemas.microsoft.com/office/drawing/2014/main" id="{95F1D603-5BBE-42A8-BB49-52CD13EDFD42}"/>
-              </a:ext>
-            </a:extLst>
-          </p:cNvPr>
-          <p:cNvSpPr txBox="1"/>
-          <p:nvPr/>
-        </p:nvSpPr>
-        <p:spPr>
-          <a:xfrm>
-            <a:off x="3432110" y="3276050"/>
-            <a:ext cx="1345943" cy="923330"/>
-          </a:xfrm>
-          <a:prstGeom prst="rect">
-            <a:avLst/>
-          </a:prstGeom>
-          <a:solidFill>
-            <a:schemeClr val="bg2"/>
-          </a:solidFill>
-        </p:spPr>
-        <p:txBody>
-          <a:bodyPr wrap="square" rtlCol="0">
-            <a:spAutoFit/>
-          </a:bodyPr>
-          <a:lstStyle/>
-          <a:p>
-            <a:pPr algn="ctr"/>
-            <a:r>
-              <a:rPr lang="en-US" dirty="0"/>
-              <a:t>Soil Moisture &amp; Temp</a:t>
-            </a:r>
-          </a:p>
-        </p:txBody>
-      </p:sp>
-      <p:sp>
-        <p:nvSpPr>
-          <p:cNvPr id="18" name="TextBox 17">
-            <a:extLst>
-              <a:ext uri="{FF2B5EF4-FFF2-40B4-BE49-F238E27FC236}">
-                <a16:creationId xmlns:a16="http://schemas.microsoft.com/office/drawing/2014/main" id="{8DBD951F-1A9F-4035-BC7A-582B7DFE8378}"/>
-              </a:ext>
-            </a:extLst>
-          </p:cNvPr>
-          <p:cNvSpPr txBox="1"/>
-          <p:nvPr/>
-        </p:nvSpPr>
-        <p:spPr>
-          <a:xfrm>
-            <a:off x="3840970" y="4711739"/>
-            <a:ext cx="2182303" cy="369332"/>
-          </a:xfrm>
-          <a:prstGeom prst="rect">
-            <a:avLst/>
-          </a:prstGeom>
-          <a:solidFill>
-            <a:schemeClr val="bg2"/>
-          </a:solidFill>
-        </p:spPr>
-        <p:txBody>
-          <a:bodyPr wrap="square" rtlCol="0">
-            <a:spAutoFit/>
-          </a:bodyPr>
-          <a:lstStyle/>
-          <a:p>
-            <a:pPr algn="ctr"/>
-            <a:r>
-              <a:rPr lang="en-US" dirty="0"/>
-              <a:t>Root Disease</a:t>
-            </a:r>
-          </a:p>
-        </p:txBody>
-      </p:sp>
-      <p:sp>
-        <p:nvSpPr>
-          <p:cNvPr id="21" name="TextBox 20">
-            <a:extLst>
-              <a:ext uri="{FF2B5EF4-FFF2-40B4-BE49-F238E27FC236}">
-                <a16:creationId xmlns:a16="http://schemas.microsoft.com/office/drawing/2014/main" id="{34A420EA-9B62-4F8D-87BE-9B8FD62AEBB2}"/>
-              </a:ext>
-            </a:extLst>
-          </p:cNvPr>
-          <p:cNvSpPr txBox="1"/>
-          <p:nvPr/>
-        </p:nvSpPr>
-        <p:spPr>
-          <a:xfrm>
-            <a:off x="3731868" y="5962763"/>
-            <a:ext cx="2186817" cy="369332"/>
-          </a:xfrm>
-          <a:prstGeom prst="rect">
-            <a:avLst/>
-          </a:prstGeom>
-          <a:solidFill>
-            <a:schemeClr val="bg2"/>
-          </a:solidFill>
-        </p:spPr>
-        <p:txBody>
-          <a:bodyPr wrap="none" rtlCol="0">
-            <a:spAutoFit/>
-          </a:bodyPr>
-          <a:lstStyle/>
-          <a:p>
-            <a:r>
-              <a:rPr lang="en-US" dirty="0"/>
-              <a:t>Root resource uptake</a:t>
-            </a:r>
-          </a:p>
-        </p:txBody>
-      </p:sp>
-      <p:cxnSp>
-        <p:nvCxnSpPr>
-          <p:cNvPr id="27" name="Straight Arrow Connector 26">
-            <a:extLst>
-              <a:ext uri="{FF2B5EF4-FFF2-40B4-BE49-F238E27FC236}">
-                <a16:creationId xmlns:a16="http://schemas.microsoft.com/office/drawing/2014/main" id="{70CF2CA9-60A9-4233-B453-5B794AB7FFB9}"/>
-              </a:ext>
-            </a:extLst>
-          </p:cNvPr>
-          <p:cNvCxnSpPr>
-            <a:cxnSpLocks/>
-            <a:stCxn id="40" idx="2"/>
-            <a:endCxn id="9" idx="0"/>
-          </p:cNvCxnSpPr>
-          <p:nvPr/>
-        </p:nvCxnSpPr>
-        <p:spPr>
-          <a:xfrm>
-            <a:off x="3684645" y="666107"/>
-            <a:ext cx="47224" cy="520438"/>
-          </a:xfrm>
-          <a:prstGeom prst="straightConnector1">
-            <a:avLst/>
-          </a:prstGeom>
-          <a:ln w="3175">
-            <a:solidFill>
-              <a:schemeClr val="tx1"/>
-            </a:solidFill>
-            <a:tailEnd type="triangle"/>
-          </a:ln>
-        </p:spPr>
-        <p:style>
-          <a:lnRef idx="1">
-            <a:schemeClr val="accent1"/>
-          </a:lnRef>
-          <a:fillRef idx="0">
-            <a:schemeClr val="accent1"/>
-          </a:fillRef>
-          <a:effectRef idx="0">
-            <a:schemeClr val="accent1"/>
-          </a:effectRef>
-          <a:fontRef idx="minor">
-            <a:schemeClr val="tx1"/>
-          </a:fontRef>
-        </p:style>
-      </p:cxnSp>
-      <p:cxnSp>
-        <p:nvCxnSpPr>
-          <p:cNvPr id="33" name="Straight Arrow Connector 32">
-            <a:extLst>
-              <a:ext uri="{FF2B5EF4-FFF2-40B4-BE49-F238E27FC236}">
-                <a16:creationId xmlns:a16="http://schemas.microsoft.com/office/drawing/2014/main" id="{4662E810-6505-4CDE-93B8-B6DBEC7F14C0}"/>
-              </a:ext>
-            </a:extLst>
-          </p:cNvPr>
-          <p:cNvCxnSpPr>
-            <a:cxnSpLocks/>
-            <a:stCxn id="15" idx="2"/>
-            <a:endCxn id="18" idx="0"/>
-          </p:cNvCxnSpPr>
-          <p:nvPr/>
-        </p:nvCxnSpPr>
-        <p:spPr>
-          <a:xfrm>
-            <a:off x="4105082" y="4199380"/>
-            <a:ext cx="827040" cy="512359"/>
-          </a:xfrm>
-          <a:prstGeom prst="straightConnector1">
-            <a:avLst/>
-          </a:prstGeom>
-          <a:ln w="19050">
-            <a:solidFill>
-              <a:schemeClr val="tx1"/>
-            </a:solidFill>
-            <a:tailEnd type="triangle"/>
-          </a:ln>
-        </p:spPr>
-        <p:style>
-          <a:lnRef idx="1">
-            <a:schemeClr val="accent1"/>
-          </a:lnRef>
-          <a:fillRef idx="0">
-            <a:schemeClr val="accent1"/>
-          </a:fillRef>
-          <a:effectRef idx="0">
-            <a:schemeClr val="accent1"/>
-          </a:effectRef>
-          <a:fontRef idx="minor">
-            <a:schemeClr val="tx1"/>
-          </a:fontRef>
-        </p:style>
-      </p:cxnSp>
       <p:cxnSp>
         <p:nvCxnSpPr>
           <p:cNvPr id="35" name="Straight Arrow Connector 34">
@@ -13753,240 +14863,14 @@
           <p:cNvCxnSpPr>
             <a:cxnSpLocks/>
             <a:stCxn id="115" idx="2"/>
-            <a:endCxn id="15" idx="0"/>
+            <a:endCxn id="7" idx="3"/>
           </p:cNvCxnSpPr>
           <p:nvPr/>
         </p:nvCxnSpPr>
         <p:spPr>
           <a:xfrm flipH="1">
-            <a:off x="4105082" y="2594938"/>
-            <a:ext cx="88195" cy="681112"/>
-          </a:xfrm>
-          <a:prstGeom prst="straightConnector1">
-            <a:avLst/>
-          </a:prstGeom>
-          <a:ln w="19050">
-            <a:solidFill>
-              <a:schemeClr val="tx1"/>
-            </a:solidFill>
-            <a:tailEnd type="triangle"/>
-          </a:ln>
-        </p:spPr>
-        <p:style>
-          <a:lnRef idx="1">
-            <a:schemeClr val="accent1"/>
-          </a:lnRef>
-          <a:fillRef idx="0">
-            <a:schemeClr val="accent1"/>
-          </a:fillRef>
-          <a:effectRef idx="0">
-            <a:schemeClr val="accent1"/>
-          </a:effectRef>
-          <a:fontRef idx="minor">
-            <a:schemeClr val="tx1"/>
-          </a:fontRef>
-        </p:style>
-      </p:cxnSp>
-      <p:sp>
-        <p:nvSpPr>
-          <p:cNvPr id="40" name="TextBox 39">
-            <a:extLst>
-              <a:ext uri="{FF2B5EF4-FFF2-40B4-BE49-F238E27FC236}">
-                <a16:creationId xmlns:a16="http://schemas.microsoft.com/office/drawing/2014/main" id="{7F683759-0DA0-4B46-AF02-1C3475445B06}"/>
-              </a:ext>
-            </a:extLst>
-          </p:cNvPr>
-          <p:cNvSpPr txBox="1"/>
-          <p:nvPr/>
-        </p:nvSpPr>
-        <p:spPr>
-          <a:xfrm>
-            <a:off x="2815075" y="296780"/>
-            <a:ext cx="1739140" cy="369327"/>
-          </a:xfrm>
-          <a:prstGeom prst="rect">
-            <a:avLst/>
-          </a:prstGeom>
-          <a:solidFill>
-            <a:srgbClr val="2184C0"/>
-          </a:solidFill>
-        </p:spPr>
-        <p:txBody>
-          <a:bodyPr wrap="square" rtlCol="0">
-            <a:spAutoFit/>
-          </a:bodyPr>
-          <a:lstStyle/>
-          <a:p>
-            <a:pPr algn="ctr"/>
-            <a:r>
-              <a:rPr lang="en-US" dirty="0"/>
-              <a:t>Corn Crop</a:t>
-            </a:r>
-          </a:p>
-        </p:txBody>
-      </p:sp>
-      <p:sp>
-        <p:nvSpPr>
-          <p:cNvPr id="51" name="Rectangle 50">
-            <a:extLst>
-              <a:ext uri="{FF2B5EF4-FFF2-40B4-BE49-F238E27FC236}">
-                <a16:creationId xmlns:a16="http://schemas.microsoft.com/office/drawing/2014/main" id="{CC98651A-3A11-4BB4-9FB5-63172DB2A64B}"/>
-              </a:ext>
-            </a:extLst>
-          </p:cNvPr>
-          <p:cNvSpPr/>
-          <p:nvPr/>
-        </p:nvSpPr>
-        <p:spPr>
-          <a:xfrm>
-            <a:off x="6949797" y="3498578"/>
-            <a:ext cx="128248" cy="145222"/>
-          </a:xfrm>
-          <a:prstGeom prst="rect">
-            <a:avLst/>
-          </a:prstGeom>
-          <a:solidFill>
-            <a:schemeClr val="bg1"/>
-          </a:solidFill>
-          <a:ln>
-            <a:noFill/>
-          </a:ln>
-        </p:spPr>
-        <p:style>
-          <a:lnRef idx="2">
-            <a:schemeClr val="accent1">
-              <a:shade val="50000"/>
-            </a:schemeClr>
-          </a:lnRef>
-          <a:fillRef idx="1">
-            <a:schemeClr val="accent1"/>
-          </a:fillRef>
-          <a:effectRef idx="0">
-            <a:schemeClr val="accent1"/>
-          </a:effectRef>
-          <a:fontRef idx="minor">
-            <a:schemeClr val="lt1"/>
-          </a:fontRef>
-        </p:style>
-        <p:txBody>
-          <a:bodyPr rtlCol="0" anchor="ctr"/>
-          <a:lstStyle/>
-          <a:p>
-            <a:pPr algn="ctr"/>
-            <a:endParaRPr lang="en-US"/>
-          </a:p>
-        </p:txBody>
-      </p:sp>
-      <p:sp>
-        <p:nvSpPr>
-          <p:cNvPr id="52" name="Rectangle 51">
-            <a:extLst>
-              <a:ext uri="{FF2B5EF4-FFF2-40B4-BE49-F238E27FC236}">
-                <a16:creationId xmlns:a16="http://schemas.microsoft.com/office/drawing/2014/main" id="{9DC678CF-461C-450B-9310-D66F72A683EF}"/>
-              </a:ext>
-            </a:extLst>
-          </p:cNvPr>
-          <p:cNvSpPr/>
-          <p:nvPr/>
-        </p:nvSpPr>
-        <p:spPr>
-          <a:xfrm>
-            <a:off x="6951277" y="3002904"/>
-            <a:ext cx="128248" cy="145222"/>
-          </a:xfrm>
-          <a:prstGeom prst="rect">
-            <a:avLst/>
-          </a:prstGeom>
-          <a:solidFill>
-            <a:schemeClr val="bg1"/>
-          </a:solidFill>
-          <a:ln>
-            <a:noFill/>
-          </a:ln>
-        </p:spPr>
-        <p:style>
-          <a:lnRef idx="2">
-            <a:schemeClr val="accent1">
-              <a:shade val="50000"/>
-            </a:schemeClr>
-          </a:lnRef>
-          <a:fillRef idx="1">
-            <a:schemeClr val="accent1"/>
-          </a:fillRef>
-          <a:effectRef idx="0">
-            <a:schemeClr val="accent1"/>
-          </a:effectRef>
-          <a:fontRef idx="minor">
-            <a:schemeClr val="lt1"/>
-          </a:fontRef>
-        </p:style>
-        <p:txBody>
-          <a:bodyPr rtlCol="0" anchor="ctr"/>
-          <a:lstStyle/>
-          <a:p>
-            <a:pPr algn="ctr"/>
-            <a:endParaRPr lang="en-US"/>
-          </a:p>
-        </p:txBody>
-      </p:sp>
-      <p:sp>
-        <p:nvSpPr>
-          <p:cNvPr id="58" name="TextBox 57">
-            <a:extLst>
-              <a:ext uri="{FF2B5EF4-FFF2-40B4-BE49-F238E27FC236}">
-                <a16:creationId xmlns:a16="http://schemas.microsoft.com/office/drawing/2014/main" id="{9A410058-ADB2-4137-98C9-259539D738C9}"/>
-              </a:ext>
-            </a:extLst>
-          </p:cNvPr>
-          <p:cNvSpPr txBox="1"/>
-          <p:nvPr/>
-        </p:nvSpPr>
-        <p:spPr>
-          <a:xfrm>
-            <a:off x="6777938" y="3519904"/>
-            <a:ext cx="1345943" cy="646331"/>
-          </a:xfrm>
-          <a:prstGeom prst="rect">
-            <a:avLst/>
-          </a:prstGeom>
-          <a:solidFill>
-            <a:schemeClr val="bg2"/>
-          </a:solidFill>
-        </p:spPr>
-        <p:txBody>
-          <a:bodyPr wrap="square" rtlCol="0">
-            <a:spAutoFit/>
-          </a:bodyPr>
-          <a:lstStyle/>
-          <a:p>
-            <a:pPr algn="ctr"/>
-            <a:r>
-              <a:rPr lang="en-US" dirty="0"/>
-              <a:t>Foliar Disease</a:t>
-            </a:r>
-          </a:p>
-        </p:txBody>
-      </p:sp>
-      <p:cxnSp>
-        <p:nvCxnSpPr>
-          <p:cNvPr id="62" name="Straight Arrow Connector 61">
-            <a:extLst>
-              <a:ext uri="{FF2B5EF4-FFF2-40B4-BE49-F238E27FC236}">
-                <a16:creationId xmlns:a16="http://schemas.microsoft.com/office/drawing/2014/main" id="{A8099DCA-2779-44F8-984A-0B8408368833}"/>
-              </a:ext>
-            </a:extLst>
-          </p:cNvPr>
-          <p:cNvCxnSpPr>
-            <a:cxnSpLocks/>
-            <a:stCxn id="115" idx="3"/>
-            <a:endCxn id="58" idx="0"/>
-          </p:cNvCxnSpPr>
-          <p:nvPr/>
-        </p:nvCxnSpPr>
-        <p:spPr>
-          <a:xfrm>
-            <a:off x="5029948" y="2410272"/>
-            <a:ext cx="2420962" cy="1109632"/>
+            <a:off x="8407799" y="4122277"/>
+            <a:ext cx="795763" cy="1622548"/>
           </a:xfrm>
           <a:prstGeom prst="straightConnector1">
             <a:avLst/>
@@ -14031,54 +14915,8 @@
         </p:nvCxnSpPr>
         <p:spPr>
           <a:xfrm flipH="1">
-            <a:off x="798615" y="1371211"/>
-            <a:ext cx="2471845" cy="1964027"/>
-          </a:xfrm>
-          <a:prstGeom prst="straightConnector1">
-            <a:avLst/>
-          </a:prstGeom>
-          <a:ln w="19050">
-            <a:solidFill>
-              <a:schemeClr val="tx1"/>
-            </a:solidFill>
-            <a:tailEnd type="triangle"/>
-          </a:ln>
-        </p:spPr>
-        <p:style>
-          <a:lnRef idx="1">
-            <a:schemeClr val="accent1"/>
-          </a:lnRef>
-          <a:fillRef idx="0">
-            <a:schemeClr val="accent1"/>
-          </a:fillRef>
-          <a:effectRef idx="0">
-            <a:schemeClr val="accent1"/>
-          </a:effectRef>
-          <a:fontRef idx="minor">
-            <a:schemeClr val="tx1"/>
-          </a:fontRef>
-        </p:style>
-      </p:cxnSp>
-      <p:cxnSp>
-        <p:nvCxnSpPr>
-          <p:cNvPr id="75" name="Straight Arrow Connector 74">
-            <a:extLst>
-              <a:ext uri="{FF2B5EF4-FFF2-40B4-BE49-F238E27FC236}">
-                <a16:creationId xmlns:a16="http://schemas.microsoft.com/office/drawing/2014/main" id="{25ECE1CD-2A87-4B53-96F8-61D55D196B10}"/>
-              </a:ext>
-            </a:extLst>
-          </p:cNvPr>
-          <p:cNvCxnSpPr>
-            <a:cxnSpLocks/>
-            <a:stCxn id="18" idx="2"/>
-            <a:endCxn id="21" idx="0"/>
-          </p:cNvCxnSpPr>
-          <p:nvPr/>
-        </p:nvCxnSpPr>
-        <p:spPr>
-          <a:xfrm flipH="1">
-            <a:off x="4825277" y="5081071"/>
-            <a:ext cx="106845" cy="881692"/>
+            <a:off x="6610383" y="2536182"/>
+            <a:ext cx="783660" cy="1247541"/>
           </a:xfrm>
           <a:prstGeom prst="straightConnector1">
             <a:avLst/>
@@ -14117,14 +14955,14 @@
           <p:cNvCxnSpPr>
             <a:cxnSpLocks/>
             <a:stCxn id="6" idx="2"/>
-            <a:endCxn id="21" idx="1"/>
+            <a:endCxn id="7" idx="0"/>
           </p:cNvCxnSpPr>
           <p:nvPr/>
         </p:nvCxnSpPr>
         <p:spPr>
           <a:xfrm>
-            <a:off x="798615" y="3704570"/>
-            <a:ext cx="2933253" cy="2442859"/>
+            <a:off x="6610383" y="4122277"/>
+            <a:ext cx="625172" cy="1453271"/>
           </a:xfrm>
           <a:prstGeom prst="straightConnector1">
             <a:avLst/>
@@ -14162,61 +15000,14 @@
           </p:cNvPr>
           <p:cNvCxnSpPr>
             <a:cxnSpLocks/>
-            <a:stCxn id="21" idx="3"/>
-            <a:endCxn id="7" idx="2"/>
-          </p:cNvCxnSpPr>
-          <p:nvPr/>
-        </p:nvCxnSpPr>
-        <p:spPr>
-          <a:xfrm flipV="1">
-            <a:off x="5918685" y="5908171"/>
-            <a:ext cx="1973742" cy="239258"/>
-          </a:xfrm>
-          <a:prstGeom prst="straightConnector1">
-            <a:avLst/>
-          </a:prstGeom>
-          <a:ln w="19050">
-            <a:solidFill>
-              <a:schemeClr val="tx1"/>
-            </a:solidFill>
-            <a:tailEnd type="triangle"/>
-          </a:ln>
-        </p:spPr>
-        <p:style>
-          <a:lnRef idx="1">
-            <a:schemeClr val="accent1"/>
-          </a:lnRef>
-          <a:fillRef idx="0">
-            <a:schemeClr val="accent1"/>
-          </a:fillRef>
-          <a:effectRef idx="0">
-            <a:schemeClr val="accent1"/>
-          </a:effectRef>
-          <a:fontRef idx="minor">
-            <a:schemeClr val="tx1"/>
-          </a:fontRef>
-        </p:style>
-      </p:cxnSp>
-      <p:cxnSp>
-        <p:nvCxnSpPr>
-          <p:cNvPr id="85" name="Straight Arrow Connector 84">
-            <a:extLst>
-              <a:ext uri="{FF2B5EF4-FFF2-40B4-BE49-F238E27FC236}">
-                <a16:creationId xmlns:a16="http://schemas.microsoft.com/office/drawing/2014/main" id="{011366A9-B1C5-45B5-BFD3-26A688EFD142}"/>
-              </a:ext>
-            </a:extLst>
-          </p:cNvPr>
-          <p:cNvCxnSpPr>
-            <a:cxnSpLocks/>
-            <a:stCxn id="58" idx="2"/>
-            <a:endCxn id="7" idx="0"/>
+            <a:endCxn id="7" idx="1"/>
           </p:cNvCxnSpPr>
           <p:nvPr/>
         </p:nvCxnSpPr>
         <p:spPr>
           <a:xfrm>
-            <a:off x="7450910" y="4166235"/>
-            <a:ext cx="441517" cy="1372604"/>
+            <a:off x="4914476" y="5744825"/>
+            <a:ext cx="1148835" cy="0"/>
           </a:xfrm>
           <a:prstGeom prst="straightConnector1">
             <a:avLst/>
@@ -14257,8 +15048,8 @@
         </p:nvSpPr>
         <p:spPr>
           <a:xfrm>
-            <a:off x="3356605" y="2225606"/>
-            <a:ext cx="1673343" cy="369332"/>
+            <a:off x="8450599" y="3783723"/>
+            <a:ext cx="1505925" cy="338554"/>
           </a:xfrm>
           <a:prstGeom prst="rect">
             <a:avLst/>
@@ -14273,8 +15064,9 @@
           </a:bodyPr>
           <a:lstStyle/>
           <a:p>
+            <a:pPr algn="ctr"/>
             <a:r>
-              <a:rPr lang="en-US" dirty="0"/>
+              <a:rPr lang="en-US" sz="1600" dirty="0"/>
               <a:t>Surface Residue</a:t>
             </a:r>
           </a:p>
@@ -14282,70 +15074,22 @@
       </p:sp>
       <p:cxnSp>
         <p:nvCxnSpPr>
-          <p:cNvPr id="119" name="Straight Arrow Connector 118">
+          <p:cNvPr id="153" name="Straight Arrow Connector 152">
             <a:extLst>
               <a:ext uri="{FF2B5EF4-FFF2-40B4-BE49-F238E27FC236}">
-                <a16:creationId xmlns:a16="http://schemas.microsoft.com/office/drawing/2014/main" id="{DDB3F5AA-3E45-4A95-BAC8-A6399508E523}"/>
+                <a16:creationId xmlns:a16="http://schemas.microsoft.com/office/drawing/2014/main" id="{132C9523-0970-48FC-9EA9-3D3EB7688273}"/>
               </a:ext>
             </a:extLst>
           </p:cNvPr>
           <p:cNvCxnSpPr>
             <a:cxnSpLocks/>
-            <a:stCxn id="9" idx="2"/>
-            <a:endCxn id="115" idx="0"/>
           </p:cNvCxnSpPr>
           <p:nvPr/>
         </p:nvCxnSpPr>
         <p:spPr>
-          <a:xfrm>
-            <a:off x="3731869" y="1555877"/>
-            <a:ext cx="461408" cy="669729"/>
-          </a:xfrm>
-          <a:prstGeom prst="straightConnector1">
-            <a:avLst/>
-          </a:prstGeom>
-          <a:ln w="19050">
-            <a:solidFill>
-              <a:schemeClr val="tx1"/>
-            </a:solidFill>
-            <a:tailEnd type="triangle"/>
-          </a:ln>
-        </p:spPr>
-        <p:style>
-          <a:lnRef idx="1">
-            <a:schemeClr val="accent1"/>
-          </a:lnRef>
-          <a:fillRef idx="0">
-            <a:schemeClr val="accent1"/>
-          </a:fillRef>
-          <a:effectRef idx="0">
-            <a:schemeClr val="accent1"/>
-          </a:effectRef>
-          <a:fontRef idx="minor">
-            <a:schemeClr val="tx1"/>
-          </a:fontRef>
-        </p:style>
-      </p:cxnSp>
-      <p:cxnSp>
-        <p:nvCxnSpPr>
-          <p:cNvPr id="133" name="Straight Arrow Connector 132">
-            <a:extLst>
-              <a:ext uri="{FF2B5EF4-FFF2-40B4-BE49-F238E27FC236}">
-                <a16:creationId xmlns:a16="http://schemas.microsoft.com/office/drawing/2014/main" id="{7F98EDA3-CFDC-4C4F-9F5E-245F3F53A576}"/>
-              </a:ext>
-            </a:extLst>
-          </p:cNvPr>
-          <p:cNvCxnSpPr>
-            <a:cxnSpLocks/>
-            <a:stCxn id="6" idx="1"/>
-            <a:endCxn id="136" idx="2"/>
-          </p:cNvCxnSpPr>
-          <p:nvPr/>
-        </p:nvCxnSpPr>
-        <p:spPr>
-          <a:xfrm flipV="1">
-            <a:off x="206850" y="1555877"/>
-            <a:ext cx="332752" cy="1964027"/>
+          <a:xfrm flipH="1">
+            <a:off x="4185945" y="704354"/>
+            <a:ext cx="927234" cy="4565162"/>
           </a:xfrm>
           <a:prstGeom prst="straightConnector1">
             <a:avLst/>
@@ -14374,10 +15118,10 @@
       </p:cxnSp>
       <p:sp>
         <p:nvSpPr>
-          <p:cNvPr id="136" name="TextBox 135">
+          <p:cNvPr id="20" name="TextBox 19">
             <a:extLst>
               <a:ext uri="{FF2B5EF4-FFF2-40B4-BE49-F238E27FC236}">
-                <a16:creationId xmlns:a16="http://schemas.microsoft.com/office/drawing/2014/main" id="{8C336E83-6329-4E2E-9907-F8DBB9875E9F}"/>
+                <a16:creationId xmlns:a16="http://schemas.microsoft.com/office/drawing/2014/main" id="{1454362B-5380-4A23-BF55-7DD16293AC34}"/>
               </a:ext>
             </a:extLst>
           </p:cNvPr>
@@ -14386,15 +15130,13 @@
         </p:nvSpPr>
         <p:spPr>
           <a:xfrm>
-            <a:off x="-124202" y="1186545"/>
-            <a:ext cx="1327608" cy="369332"/>
+            <a:off x="6408781" y="2872422"/>
+            <a:ext cx="593432" cy="369332"/>
           </a:xfrm>
           <a:prstGeom prst="rect">
             <a:avLst/>
           </a:prstGeom>
-          <a:solidFill>
-            <a:schemeClr val="accent4"/>
-          </a:solidFill>
+          <a:noFill/>
         </p:spPr>
         <p:txBody>
           <a:bodyPr wrap="none" rtlCol="0">
@@ -14404,17 +15146,17 @@
           <a:p>
             <a:r>
               <a:rPr lang="en-US" dirty="0"/>
-              <a:t>SC yields@0</a:t>
+              <a:t>0.22</a:t>
             </a:r>
           </a:p>
         </p:txBody>
       </p:sp>
       <p:sp>
         <p:nvSpPr>
-          <p:cNvPr id="137" name="TextBox 136">
+          <p:cNvPr id="46" name="TextBox 45">
             <a:extLst>
               <a:ext uri="{FF2B5EF4-FFF2-40B4-BE49-F238E27FC236}">
-                <a16:creationId xmlns:a16="http://schemas.microsoft.com/office/drawing/2014/main" id="{EFD35461-CADF-46B1-9645-B14E5A8C2D90}"/>
+                <a16:creationId xmlns:a16="http://schemas.microsoft.com/office/drawing/2014/main" id="{D3461130-BC9C-484B-8043-6B6CF6BEEB10}"/>
               </a:ext>
             </a:extLst>
           </p:cNvPr>
@@ -14423,15 +15165,13 @@
         </p:nvSpPr>
         <p:spPr>
           <a:xfrm>
-            <a:off x="-1149648" y="1983892"/>
-            <a:ext cx="1664751" cy="369332"/>
+            <a:off x="6239609" y="4595532"/>
+            <a:ext cx="663964" cy="369332"/>
           </a:xfrm>
           <a:prstGeom prst="rect">
             <a:avLst/>
           </a:prstGeom>
-          <a:solidFill>
-            <a:schemeClr val="accent4"/>
-          </a:solidFill>
+          <a:noFill/>
         </p:spPr>
         <p:txBody>
           <a:bodyPr wrap="none" rtlCol="0">
@@ -14441,393 +15181,7 @@
           <a:p>
             <a:r>
               <a:rPr lang="en-US" dirty="0"/>
-              <a:t>N-closable gap?</a:t>
-            </a:r>
-          </a:p>
-        </p:txBody>
-      </p:sp>
-      <p:cxnSp>
-        <p:nvCxnSpPr>
-          <p:cNvPr id="138" name="Straight Arrow Connector 137">
-            <a:extLst>
-              <a:ext uri="{FF2B5EF4-FFF2-40B4-BE49-F238E27FC236}">
-                <a16:creationId xmlns:a16="http://schemas.microsoft.com/office/drawing/2014/main" id="{7249A12B-950D-4C94-BA9C-B9C3D1DCF0A7}"/>
-              </a:ext>
-            </a:extLst>
-          </p:cNvPr>
-          <p:cNvCxnSpPr>
-            <a:cxnSpLocks/>
-            <a:stCxn id="6" idx="1"/>
-            <a:endCxn id="137" idx="2"/>
-          </p:cNvCxnSpPr>
-          <p:nvPr/>
-        </p:nvCxnSpPr>
-        <p:spPr>
-          <a:xfrm flipH="1" flipV="1">
-            <a:off x="-317272" y="2353224"/>
-            <a:ext cx="524122" cy="1166680"/>
-          </a:xfrm>
-          <a:prstGeom prst="straightConnector1">
-            <a:avLst/>
-          </a:prstGeom>
-          <a:ln w="19050">
-            <a:solidFill>
-              <a:schemeClr val="tx1"/>
-            </a:solidFill>
-            <a:tailEnd type="triangle"/>
-          </a:ln>
-        </p:spPr>
-        <p:style>
-          <a:lnRef idx="1">
-            <a:schemeClr val="accent1"/>
-          </a:lnRef>
-          <a:fillRef idx="0">
-            <a:schemeClr val="accent1"/>
-          </a:fillRef>
-          <a:effectRef idx="0">
-            <a:schemeClr val="accent1"/>
-          </a:effectRef>
-          <a:fontRef idx="minor">
-            <a:schemeClr val="tx1"/>
-          </a:fontRef>
-        </p:style>
-      </p:cxnSp>
-      <p:sp>
-        <p:nvSpPr>
-          <p:cNvPr id="142" name="TextBox 141">
-            <a:extLst>
-              <a:ext uri="{FF2B5EF4-FFF2-40B4-BE49-F238E27FC236}">
-                <a16:creationId xmlns:a16="http://schemas.microsoft.com/office/drawing/2014/main" id="{8A92E982-A797-4135-90B0-E0CB9ABCADC8}"/>
-              </a:ext>
-            </a:extLst>
-          </p:cNvPr>
-          <p:cNvSpPr txBox="1"/>
-          <p:nvPr/>
-        </p:nvSpPr>
-        <p:spPr>
-          <a:xfrm>
-            <a:off x="6718357" y="1882760"/>
-            <a:ext cx="1334493" cy="923330"/>
-          </a:xfrm>
-          <a:prstGeom prst="rect">
-            <a:avLst/>
-          </a:prstGeom>
-          <a:solidFill>
-            <a:schemeClr val="accent4"/>
-          </a:solidFill>
-        </p:spPr>
-        <p:txBody>
-          <a:bodyPr wrap="square" rtlCol="0">
-            <a:spAutoFit/>
-          </a:bodyPr>
-          <a:lstStyle/>
-          <a:p>
-            <a:r>
-              <a:rPr lang="en-US" dirty="0"/>
-              <a:t>Modelled residue at planting</a:t>
-            </a:r>
-          </a:p>
-        </p:txBody>
-      </p:sp>
-      <p:cxnSp>
-        <p:nvCxnSpPr>
-          <p:cNvPr id="143" name="Straight Arrow Connector 142">
-            <a:extLst>
-              <a:ext uri="{FF2B5EF4-FFF2-40B4-BE49-F238E27FC236}">
-                <a16:creationId xmlns:a16="http://schemas.microsoft.com/office/drawing/2014/main" id="{A2851B85-71C3-47A8-914C-78C8082A347A}"/>
-              </a:ext>
-            </a:extLst>
-          </p:cNvPr>
-          <p:cNvCxnSpPr>
-            <a:cxnSpLocks/>
-            <a:stCxn id="115" idx="3"/>
-            <a:endCxn id="142" idx="1"/>
-          </p:cNvCxnSpPr>
-          <p:nvPr/>
-        </p:nvCxnSpPr>
-        <p:spPr>
-          <a:xfrm flipV="1">
-            <a:off x="5029948" y="2344425"/>
-            <a:ext cx="1688409" cy="65847"/>
-          </a:xfrm>
-          <a:prstGeom prst="straightConnector1">
-            <a:avLst/>
-          </a:prstGeom>
-          <a:ln w="19050">
-            <a:solidFill>
-              <a:schemeClr val="tx1"/>
-            </a:solidFill>
-            <a:tailEnd type="triangle"/>
-          </a:ln>
-        </p:spPr>
-        <p:style>
-          <a:lnRef idx="1">
-            <a:schemeClr val="accent1"/>
-          </a:lnRef>
-          <a:fillRef idx="0">
-            <a:schemeClr val="accent1"/>
-          </a:fillRef>
-          <a:effectRef idx="0">
-            <a:schemeClr val="accent1"/>
-          </a:effectRef>
-          <a:fontRef idx="minor">
-            <a:schemeClr val="tx1"/>
-          </a:fontRef>
-        </p:style>
-      </p:cxnSp>
-      <p:cxnSp>
-        <p:nvCxnSpPr>
-          <p:cNvPr id="148" name="Straight Arrow Connector 147">
-            <a:extLst>
-              <a:ext uri="{FF2B5EF4-FFF2-40B4-BE49-F238E27FC236}">
-                <a16:creationId xmlns:a16="http://schemas.microsoft.com/office/drawing/2014/main" id="{8ED880C4-697B-4859-833E-FF8E7116610D}"/>
-              </a:ext>
-            </a:extLst>
-          </p:cNvPr>
-          <p:cNvCxnSpPr>
-            <a:cxnSpLocks/>
-            <a:stCxn id="15" idx="1"/>
-            <a:endCxn id="6" idx="3"/>
-          </p:cNvCxnSpPr>
-          <p:nvPr/>
-        </p:nvCxnSpPr>
-        <p:spPr>
-          <a:xfrm flipH="1" flipV="1">
-            <a:off x="1390379" y="3519904"/>
-            <a:ext cx="2041731" cy="217811"/>
-          </a:xfrm>
-          <a:prstGeom prst="straightConnector1">
-            <a:avLst/>
-          </a:prstGeom>
-          <a:ln w="19050">
-            <a:solidFill>
-              <a:schemeClr val="tx1"/>
-            </a:solidFill>
-            <a:tailEnd type="triangle"/>
-          </a:ln>
-        </p:spPr>
-        <p:style>
-          <a:lnRef idx="1">
-            <a:schemeClr val="accent1"/>
-          </a:lnRef>
-          <a:fillRef idx="0">
-            <a:schemeClr val="accent1"/>
-          </a:fillRef>
-          <a:effectRef idx="0">
-            <a:schemeClr val="accent1"/>
-          </a:effectRef>
-          <a:fontRef idx="minor">
-            <a:schemeClr val="tx1"/>
-          </a:fontRef>
-        </p:style>
-      </p:cxnSp>
-      <p:cxnSp>
-        <p:nvCxnSpPr>
-          <p:cNvPr id="153" name="Straight Arrow Connector 152">
-            <a:extLst>
-              <a:ext uri="{FF2B5EF4-FFF2-40B4-BE49-F238E27FC236}">
-                <a16:creationId xmlns:a16="http://schemas.microsoft.com/office/drawing/2014/main" id="{132C9523-0970-48FC-9EA9-3D3EB7688273}"/>
-              </a:ext>
-            </a:extLst>
-          </p:cNvPr>
-          <p:cNvCxnSpPr>
-            <a:cxnSpLocks/>
-            <a:stCxn id="40" idx="3"/>
-            <a:endCxn id="18" idx="3"/>
-          </p:cNvCxnSpPr>
-          <p:nvPr/>
-        </p:nvCxnSpPr>
-        <p:spPr>
-          <a:xfrm>
-            <a:off x="4554215" y="481444"/>
-            <a:ext cx="1469058" cy="4414961"/>
-          </a:xfrm>
-          <a:prstGeom prst="straightConnector1">
-            <a:avLst/>
-          </a:prstGeom>
-          <a:ln w="19050">
-            <a:solidFill>
-              <a:schemeClr val="tx1"/>
-            </a:solidFill>
-            <a:tailEnd type="triangle"/>
-          </a:ln>
-        </p:spPr>
-        <p:style>
-          <a:lnRef idx="1">
-            <a:schemeClr val="accent1"/>
-          </a:lnRef>
-          <a:fillRef idx="0">
-            <a:schemeClr val="accent1"/>
-          </a:fillRef>
-          <a:effectRef idx="0">
-            <a:schemeClr val="accent1"/>
-          </a:effectRef>
-          <a:fontRef idx="minor">
-            <a:schemeClr val="tx1"/>
-          </a:fontRef>
-        </p:style>
-      </p:cxnSp>
-      <p:cxnSp>
-        <p:nvCxnSpPr>
-          <p:cNvPr id="166" name="Straight Arrow Connector 165">
-            <a:extLst>
-              <a:ext uri="{FF2B5EF4-FFF2-40B4-BE49-F238E27FC236}">
-                <a16:creationId xmlns:a16="http://schemas.microsoft.com/office/drawing/2014/main" id="{D54D1DDE-AE65-4AFC-91CE-83C288BF722B}"/>
-              </a:ext>
-            </a:extLst>
-          </p:cNvPr>
-          <p:cNvCxnSpPr>
-            <a:cxnSpLocks/>
-            <a:stCxn id="9" idx="3"/>
-            <a:endCxn id="167" idx="1"/>
-          </p:cNvCxnSpPr>
-          <p:nvPr/>
-        </p:nvCxnSpPr>
-        <p:spPr>
-          <a:xfrm flipV="1">
-            <a:off x="4193277" y="527173"/>
-            <a:ext cx="1550275" cy="844038"/>
-          </a:xfrm>
-          <a:prstGeom prst="straightConnector1">
-            <a:avLst/>
-          </a:prstGeom>
-          <a:ln w="19050">
-            <a:solidFill>
-              <a:schemeClr val="tx1"/>
-            </a:solidFill>
-            <a:tailEnd type="triangle"/>
-          </a:ln>
-        </p:spPr>
-        <p:style>
-          <a:lnRef idx="1">
-            <a:schemeClr val="accent1"/>
-          </a:lnRef>
-          <a:fillRef idx="0">
-            <a:schemeClr val="accent1"/>
-          </a:fillRef>
-          <a:effectRef idx="0">
-            <a:schemeClr val="accent1"/>
-          </a:effectRef>
-          <a:fontRef idx="minor">
-            <a:schemeClr val="tx1"/>
-          </a:fontRef>
-        </p:style>
-      </p:cxnSp>
-      <p:sp>
-        <p:nvSpPr>
-          <p:cNvPr id="167" name="TextBox 166">
-            <a:extLst>
-              <a:ext uri="{FF2B5EF4-FFF2-40B4-BE49-F238E27FC236}">
-                <a16:creationId xmlns:a16="http://schemas.microsoft.com/office/drawing/2014/main" id="{1BFB7078-E84E-4E43-BEFC-4ACDA3341B97}"/>
-              </a:ext>
-            </a:extLst>
-          </p:cNvPr>
-          <p:cNvSpPr txBox="1"/>
-          <p:nvPr/>
-        </p:nvSpPr>
-        <p:spPr>
-          <a:xfrm>
-            <a:off x="5743552" y="204007"/>
-            <a:ext cx="1334493" cy="646331"/>
-          </a:xfrm>
-          <a:prstGeom prst="rect">
-            <a:avLst/>
-          </a:prstGeom>
-          <a:solidFill>
-            <a:schemeClr val="accent4"/>
-          </a:solidFill>
-        </p:spPr>
-        <p:txBody>
-          <a:bodyPr wrap="square" rtlCol="0">
-            <a:spAutoFit/>
-          </a:bodyPr>
-          <a:lstStyle/>
-          <a:p>
-            <a:r>
-              <a:rPr lang="en-US" dirty="0"/>
-              <a:t>Modelled residue</a:t>
-            </a:r>
-          </a:p>
-        </p:txBody>
-      </p:sp>
-      <p:cxnSp>
-        <p:nvCxnSpPr>
-          <p:cNvPr id="170" name="Straight Arrow Connector 169">
-            <a:extLst>
-              <a:ext uri="{FF2B5EF4-FFF2-40B4-BE49-F238E27FC236}">
-                <a16:creationId xmlns:a16="http://schemas.microsoft.com/office/drawing/2014/main" id="{697BEB4A-8482-4B7D-A452-F40BB90D9E6D}"/>
-              </a:ext>
-            </a:extLst>
-          </p:cNvPr>
-          <p:cNvCxnSpPr>
-            <a:cxnSpLocks/>
-            <a:stCxn id="9" idx="3"/>
-          </p:cNvCxnSpPr>
-          <p:nvPr/>
-        </p:nvCxnSpPr>
-        <p:spPr>
-          <a:xfrm flipV="1">
-            <a:off x="4193277" y="1178258"/>
-            <a:ext cx="1528411" cy="192953"/>
-          </a:xfrm>
-          <a:prstGeom prst="straightConnector1">
-            <a:avLst/>
-          </a:prstGeom>
-          <a:ln w="19050">
-            <a:solidFill>
-              <a:schemeClr val="tx1"/>
-            </a:solidFill>
-            <a:tailEnd type="triangle"/>
-          </a:ln>
-        </p:spPr>
-        <p:style>
-          <a:lnRef idx="1">
-            <a:schemeClr val="accent1"/>
-          </a:lnRef>
-          <a:fillRef idx="0">
-            <a:schemeClr val="accent1"/>
-          </a:fillRef>
-          <a:effectRef idx="0">
-            <a:schemeClr val="accent1"/>
-          </a:effectRef>
-          <a:fontRef idx="minor">
-            <a:schemeClr val="tx1"/>
-          </a:fontRef>
-        </p:style>
-      </p:cxnSp>
-      <p:sp>
-        <p:nvSpPr>
-          <p:cNvPr id="173" name="TextBox 172">
-            <a:extLst>
-              <a:ext uri="{FF2B5EF4-FFF2-40B4-BE49-F238E27FC236}">
-                <a16:creationId xmlns:a16="http://schemas.microsoft.com/office/drawing/2014/main" id="{DF89EBC3-E0A3-451F-A476-4C0076FAE978}"/>
-              </a:ext>
-            </a:extLst>
-          </p:cNvPr>
-          <p:cNvSpPr txBox="1"/>
-          <p:nvPr/>
-        </p:nvSpPr>
-        <p:spPr>
-          <a:xfrm>
-            <a:off x="5761697" y="934174"/>
-            <a:ext cx="1334493" cy="646331"/>
-          </a:xfrm>
-          <a:prstGeom prst="rect">
-            <a:avLst/>
-          </a:prstGeom>
-          <a:solidFill>
-            <a:schemeClr val="accent4"/>
-          </a:solidFill>
-        </p:spPr>
-        <p:txBody>
-          <a:bodyPr wrap="square" rtlCol="0">
-            <a:spAutoFit/>
-          </a:bodyPr>
-          <a:lstStyle/>
-          <a:p>
-            <a:r>
-              <a:rPr lang="en-US" dirty="0"/>
-              <a:t>HI assumption</a:t>
+              <a:t>-0.29</a:t>
             </a:r>
           </a:p>
         </p:txBody>
@@ -14835,7 +15189,7 @@
     </p:spTree>
     <p:extLst>
       <p:ext uri="{BB962C8B-B14F-4D97-AF65-F5344CB8AC3E}">
-        <p14:creationId xmlns:p14="http://schemas.microsoft.com/office/powerpoint/2010/main" val="209108710"/>
+        <p14:creationId xmlns:p14="http://schemas.microsoft.com/office/powerpoint/2010/main" val="1455005540"/>
       </p:ext>
     </p:extLst>
   </p:cSld>
